--- a/products/slides/idig-pres.pptx
+++ b/products/slides/idig-pres.pptx
@@ -7,6 +7,7 @@
   <p:sldIdLst>
     <p:sldId id="256" r:id="rId2"/>
     <p:sldId id="257" r:id="rId3"/>
+    <p:sldId id="258" r:id="rId4"/>
   </p:sldIdLst>
   <p:sldSz cx="12192000" cy="6858000"/>
   <p:notesSz cx="6858000" cy="9144000"/>
@@ -105,6 +106,11 @@
       </a:defRPr>
     </a:lvl9pPr>
   </p:defaultTextStyle>
+  <p:extLst>
+    <p:ext uri="{EFAFB233-063F-42B5-8137-9DF3F51BA10A}">
+      <p15:sldGuideLst xmlns:p15="http://schemas.microsoft.com/office/powerpoint/2012/main"/>
+    </p:ext>
+  </p:extLst>
 </p:presentation>
 </file>
 
@@ -255,7 +261,7 @@
           <a:p>
             <a:fld id="{853A3392-340A-4059-9FFC-9C3C1F3955D0}" type="datetimeFigureOut">
               <a:rPr lang="en-US" smtClean="0"/>
-              <a:t>8/13/2025</a:t>
+              <a:t>8/15/2025</a:t>
             </a:fld>
             <a:endParaRPr lang="en-US"/>
           </a:p>
@@ -453,7 +459,7 @@
           <a:p>
             <a:fld id="{853A3392-340A-4059-9FFC-9C3C1F3955D0}" type="datetimeFigureOut">
               <a:rPr lang="en-US" smtClean="0"/>
-              <a:t>8/13/2025</a:t>
+              <a:t>8/15/2025</a:t>
             </a:fld>
             <a:endParaRPr lang="en-US"/>
           </a:p>
@@ -661,7 +667,7 @@
           <a:p>
             <a:fld id="{853A3392-340A-4059-9FFC-9C3C1F3955D0}" type="datetimeFigureOut">
               <a:rPr lang="en-US" smtClean="0"/>
-              <a:t>8/13/2025</a:t>
+              <a:t>8/15/2025</a:t>
             </a:fld>
             <a:endParaRPr lang="en-US"/>
           </a:p>
@@ -859,7 +865,7 @@
           <a:p>
             <a:fld id="{853A3392-340A-4059-9FFC-9C3C1F3955D0}" type="datetimeFigureOut">
               <a:rPr lang="en-US" smtClean="0"/>
-              <a:t>8/13/2025</a:t>
+              <a:t>8/15/2025</a:t>
             </a:fld>
             <a:endParaRPr lang="en-US"/>
           </a:p>
@@ -1134,7 +1140,7 @@
           <a:p>
             <a:fld id="{853A3392-340A-4059-9FFC-9C3C1F3955D0}" type="datetimeFigureOut">
               <a:rPr lang="en-US" smtClean="0"/>
-              <a:t>8/13/2025</a:t>
+              <a:t>8/15/2025</a:t>
             </a:fld>
             <a:endParaRPr lang="en-US"/>
           </a:p>
@@ -1399,7 +1405,7 @@
           <a:p>
             <a:fld id="{853A3392-340A-4059-9FFC-9C3C1F3955D0}" type="datetimeFigureOut">
               <a:rPr lang="en-US" smtClean="0"/>
-              <a:t>8/13/2025</a:t>
+              <a:t>8/15/2025</a:t>
             </a:fld>
             <a:endParaRPr lang="en-US"/>
           </a:p>
@@ -1811,7 +1817,7 @@
           <a:p>
             <a:fld id="{853A3392-340A-4059-9FFC-9C3C1F3955D0}" type="datetimeFigureOut">
               <a:rPr lang="en-US" smtClean="0"/>
-              <a:t>8/13/2025</a:t>
+              <a:t>8/15/2025</a:t>
             </a:fld>
             <a:endParaRPr lang="en-US"/>
           </a:p>
@@ -1952,7 +1958,7 @@
           <a:p>
             <a:fld id="{853A3392-340A-4059-9FFC-9C3C1F3955D0}" type="datetimeFigureOut">
               <a:rPr lang="en-US" smtClean="0"/>
-              <a:t>8/13/2025</a:t>
+              <a:t>8/15/2025</a:t>
             </a:fld>
             <a:endParaRPr lang="en-US"/>
           </a:p>
@@ -2065,7 +2071,7 @@
           <a:p>
             <a:fld id="{853A3392-340A-4059-9FFC-9C3C1F3955D0}" type="datetimeFigureOut">
               <a:rPr lang="en-US" smtClean="0"/>
-              <a:t>8/13/2025</a:t>
+              <a:t>8/15/2025</a:t>
             </a:fld>
             <a:endParaRPr lang="en-US"/>
           </a:p>
@@ -2376,7 +2382,7 @@
           <a:p>
             <a:fld id="{853A3392-340A-4059-9FFC-9C3C1F3955D0}" type="datetimeFigureOut">
               <a:rPr lang="en-US" smtClean="0"/>
-              <a:t>8/13/2025</a:t>
+              <a:t>8/15/2025</a:t>
             </a:fld>
             <a:endParaRPr lang="en-US"/>
           </a:p>
@@ -2664,7 +2670,7 @@
           <a:p>
             <a:fld id="{853A3392-340A-4059-9FFC-9C3C1F3955D0}" type="datetimeFigureOut">
               <a:rPr lang="en-US" smtClean="0"/>
-              <a:t>8/13/2025</a:t>
+              <a:t>8/15/2025</a:t>
             </a:fld>
             <a:endParaRPr lang="en-US"/>
           </a:p>
@@ -2905,7 +2911,7 @@
           <a:p>
             <a:fld id="{853A3392-340A-4059-9FFC-9C3C1F3955D0}" type="datetimeFigureOut">
               <a:rPr lang="en-US" smtClean="0"/>
-              <a:t>8/13/2025</a:t>
+              <a:t>8/15/2025</a:t>
             </a:fld>
             <a:endParaRPr lang="en-US"/>
           </a:p>
@@ -3338,12 +3344,20 @@
             <p:ph type="ctrTitle"/>
           </p:nvPr>
         </p:nvSpPr>
-        <p:spPr/>
-        <p:txBody>
-          <a:bodyPr/>
-          <a:lstStyle/>
-          <a:p>
-            <a:endParaRPr lang="en-US" dirty="0"/>
+        <p:spPr>
+          <a:xfrm>
+            <a:off x="1524000" y="968359"/>
+            <a:ext cx="9144000" cy="2387600"/>
+          </a:xfrm>
+        </p:spPr>
+        <p:txBody>
+          <a:bodyPr/>
+          <a:lstStyle/>
+          <a:p>
+            <a:r>
+              <a:rPr lang="en-US" dirty="0"/>
+              <a:t>BULLSEYE!</a:t>
+            </a:r>
           </a:p>
         </p:txBody>
       </p:sp>
@@ -3363,15 +3377,223 @@
             <p:ph type="subTitle" idx="1"/>
           </p:nvPr>
         </p:nvSpPr>
-        <p:spPr/>
-        <p:txBody>
-          <a:bodyPr/>
-          <a:lstStyle/>
-          <a:p>
-            <a:endParaRPr lang="en-US"/>
-          </a:p>
-        </p:txBody>
-      </p:sp>
+        <p:spPr>
+          <a:xfrm>
+            <a:off x="1524000" y="3448033"/>
+            <a:ext cx="9144000" cy="2387599"/>
+          </a:xfrm>
+        </p:spPr>
+        <p:txBody>
+          <a:bodyPr>
+            <a:normAutofit/>
+          </a:bodyPr>
+          <a:lstStyle/>
+          <a:p>
+            <a:r>
+              <a:rPr lang="en-US" sz="3500" dirty="0"/>
+              <a:t>Hit reproducibility with </a:t>
+            </a:r>
+            <a:r>
+              <a:rPr lang="en-US" sz="3500" i="1" dirty="0">
+                <a:solidFill>
+                  <a:srgbClr val="FF0000"/>
+                </a:solidFill>
+              </a:rPr>
+              <a:t>t a r g e t s </a:t>
+            </a:r>
+            <a:r>
+              <a:rPr lang="en-US" sz="3500" dirty="0"/>
+              <a:t>in R</a:t>
+            </a:r>
+          </a:p>
+          <a:p>
+            <a:endParaRPr lang="en-US" sz="3500" dirty="0"/>
+          </a:p>
+          <a:p>
+            <a:r>
+              <a:rPr lang="en-US" dirty="0"/>
+              <a:t>Murphy John</a:t>
+            </a:r>
+          </a:p>
+          <a:p>
+            <a:r>
+              <a:rPr lang="en-US" dirty="0"/>
+              <a:t>2025-09-25</a:t>
+            </a:r>
+          </a:p>
+        </p:txBody>
+      </p:sp>
+      <p:pic>
+        <p:nvPicPr>
+          <p:cNvPr id="1026" name="Picture 2" descr="Target Mascot: Everything You Want to Know About Bullseye">
+            <a:extLst>
+              <a:ext uri="{FF2B5EF4-FFF2-40B4-BE49-F238E27FC236}">
+                <a16:creationId xmlns:a16="http://schemas.microsoft.com/office/drawing/2014/main" id="{110FDB0A-92ED-A307-D561-C023F1CBE21F}"/>
+              </a:ext>
+            </a:extLst>
+          </p:cNvPr>
+          <p:cNvPicPr>
+            <a:picLocks noChangeAspect="1" noChangeArrowheads="1"/>
+          </p:cNvPicPr>
+          <p:nvPr/>
+        </p:nvPicPr>
+        <p:blipFill>
+          <a:blip r:embed="rId2">
+            <a:extLst>
+              <a:ext uri="{28A0092B-C50C-407E-A947-70E740481C1C}">
+                <a14:useLocalDpi xmlns:a14="http://schemas.microsoft.com/office/drawing/2010/main" val="0"/>
+              </a:ext>
+            </a:extLst>
+          </a:blip>
+          <a:srcRect/>
+          <a:stretch>
+            <a:fillRect/>
+          </a:stretch>
+        </p:blipFill>
+        <p:spPr bwMode="auto">
+          <a:xfrm>
+            <a:off x="8273480" y="4364142"/>
+            <a:ext cx="3398549" cy="2266749"/>
+          </a:xfrm>
+          <a:prstGeom prst="rect">
+            <a:avLst/>
+          </a:prstGeom>
+          <a:noFill/>
+          <a:extLst>
+            <a:ext uri="{909E8E84-426E-40DD-AFC4-6F175D3DCCD1}">
+              <a14:hiddenFill xmlns:a14="http://schemas.microsoft.com/office/drawing/2010/main">
+                <a:solidFill>
+                  <a:srgbClr val="FFFFFF"/>
+                </a:solidFill>
+              </a14:hiddenFill>
+            </a:ext>
+          </a:extLst>
+        </p:spPr>
+      </p:pic>
+      <p:pic>
+        <p:nvPicPr>
+          <p:cNvPr id="4" name="Picture 3">
+            <a:extLst>
+              <a:ext uri="{FF2B5EF4-FFF2-40B4-BE49-F238E27FC236}">
+                <a16:creationId xmlns:a16="http://schemas.microsoft.com/office/drawing/2014/main" id="{8043766D-8E7D-D632-310E-04F4607E8584}"/>
+              </a:ext>
+            </a:extLst>
+          </p:cNvPr>
+          <p:cNvPicPr>
+            <a:picLocks noChangeAspect="1"/>
+          </p:cNvPicPr>
+          <p:nvPr/>
+        </p:nvPicPr>
+        <p:blipFill>
+          <a:blip r:embed="rId3"/>
+          <a:stretch>
+            <a:fillRect/>
+          </a:stretch>
+        </p:blipFill>
+        <p:spPr>
+          <a:xfrm>
+            <a:off x="8674766" y="85826"/>
+            <a:ext cx="2700284" cy="3116128"/>
+          </a:xfrm>
+          <a:prstGeom prst="rect">
+            <a:avLst/>
+          </a:prstGeom>
+        </p:spPr>
+      </p:pic>
+      <p:pic>
+        <p:nvPicPr>
+          <p:cNvPr id="1028" name="Picture 4" descr="Knight archer cartoon character Royalty Free Vector Image">
+            <a:extLst>
+              <a:ext uri="{FF2B5EF4-FFF2-40B4-BE49-F238E27FC236}">
+                <a16:creationId xmlns:a16="http://schemas.microsoft.com/office/drawing/2014/main" id="{951E64F8-84B6-1A91-C958-049AC73043F0}"/>
+              </a:ext>
+            </a:extLst>
+          </p:cNvPr>
+          <p:cNvPicPr>
+            <a:picLocks noChangeAspect="1" noChangeArrowheads="1"/>
+          </p:cNvPicPr>
+          <p:nvPr/>
+        </p:nvPicPr>
+        <p:blipFill rotWithShape="1">
+          <a:blip r:embed="rId4">
+            <a:extLst>
+              <a:ext uri="{28A0092B-C50C-407E-A947-70E740481C1C}">
+                <a14:useLocalDpi xmlns:a14="http://schemas.microsoft.com/office/drawing/2010/main" val="0"/>
+              </a:ext>
+            </a:extLst>
+          </a:blip>
+          <a:srcRect b="8193"/>
+          <a:stretch>
+            <a:fillRect/>
+          </a:stretch>
+        </p:blipFill>
+        <p:spPr bwMode="auto">
+          <a:xfrm>
+            <a:off x="567206" y="3947970"/>
+            <a:ext cx="1913588" cy="2354023"/>
+          </a:xfrm>
+          <a:prstGeom prst="rect">
+            <a:avLst/>
+          </a:prstGeom>
+          <a:noFill/>
+          <a:extLst>
+            <a:ext uri="{909E8E84-426E-40DD-AFC4-6F175D3DCCD1}">
+              <a14:hiddenFill xmlns:a14="http://schemas.microsoft.com/office/drawing/2010/main">
+                <a:solidFill>
+                  <a:srgbClr val="FFFFFF"/>
+                </a:solidFill>
+              </a14:hiddenFill>
+            </a:ext>
+          </a:extLst>
+        </p:spPr>
+      </p:pic>
+      <p:pic>
+        <p:nvPicPr>
+          <p:cNvPr id="1030" name="Picture 6" descr="Who is Alex from target and why is Alex from target so popular">
+            <a:extLst>
+              <a:ext uri="{FF2B5EF4-FFF2-40B4-BE49-F238E27FC236}">
+                <a16:creationId xmlns:a16="http://schemas.microsoft.com/office/drawing/2014/main" id="{4F3EE24A-458C-7080-41AF-08EB9CFBE061}"/>
+              </a:ext>
+            </a:extLst>
+          </p:cNvPr>
+          <p:cNvPicPr>
+            <a:picLocks noChangeAspect="1" noChangeArrowheads="1"/>
+          </p:cNvPicPr>
+          <p:nvPr/>
+        </p:nvPicPr>
+        <p:blipFill>
+          <a:blip r:embed="rId5">
+            <a:extLst>
+              <a:ext uri="{28A0092B-C50C-407E-A947-70E740481C1C}">
+                <a14:useLocalDpi xmlns:a14="http://schemas.microsoft.com/office/drawing/2010/main" val="0"/>
+              </a:ext>
+            </a:extLst>
+          </a:blip>
+          <a:srcRect/>
+          <a:stretch>
+            <a:fillRect/>
+          </a:stretch>
+        </p:blipFill>
+        <p:spPr bwMode="auto">
+          <a:xfrm>
+            <a:off x="519971" y="222343"/>
+            <a:ext cx="3017327" cy="2979611"/>
+          </a:xfrm>
+          <a:prstGeom prst="rect">
+            <a:avLst/>
+          </a:prstGeom>
+          <a:noFill/>
+          <a:extLst>
+            <a:ext uri="{909E8E84-426E-40DD-AFC4-6F175D3DCCD1}">
+              <a14:hiddenFill xmlns:a14="http://schemas.microsoft.com/office/drawing/2010/main">
+                <a:solidFill>
+                  <a:srgbClr val="FFFFFF"/>
+                </a:solidFill>
+              </a14:hiddenFill>
+            </a:ext>
+          </a:extLst>
+        </p:spPr>
+      </p:pic>
     </p:spTree>
     <p:extLst>
       <p:ext uri="{BB962C8B-B14F-4D97-AF65-F5344CB8AC3E}">
@@ -3425,7 +3647,19 @@
           <a:p>
             <a:r>
               <a:rPr lang="en-US" dirty="0"/>
-              <a:t>Set up</a:t>
+              <a:t>What is </a:t>
+            </a:r>
+            <a:r>
+              <a:rPr lang="en-US" i="1" dirty="0">
+                <a:solidFill>
+                  <a:srgbClr val="FF0000"/>
+                </a:solidFill>
+              </a:rPr>
+              <a:t>t a r g e t s</a:t>
+            </a:r>
+            <a:r>
+              <a:rPr lang="en-US" dirty="0"/>
+              <a:t>? </a:t>
             </a:r>
           </a:p>
         </p:txBody>
@@ -3448,20 +3682,47 @@
         </p:nvSpPr>
         <p:spPr/>
         <p:txBody>
-          <a:bodyPr/>
+          <a:bodyPr>
+            <a:normAutofit fontScale="92500" lnSpcReduction="10000"/>
+          </a:bodyPr>
           <a:lstStyle/>
           <a:p>
             <a:r>
               <a:rPr lang="en-US" dirty="0"/>
-              <a:t>Load `targets</a:t>
-            </a:r>
-            <a:r>
-              <a:rPr lang="en-US"/>
-              <a:t>` package</a:t>
-            </a:r>
-          </a:p>
-          <a:p>
-            <a:endParaRPr lang="en-US" dirty="0"/>
+              <a:t>targets is an R package </a:t>
+            </a:r>
+            <a:r>
+              <a:rPr lang="en-US"/>
+              <a:t>that organizes and tracks </a:t>
+            </a:r>
+            <a:r>
+              <a:rPr lang="en-US" dirty="0"/>
+              <a:t>the components of an analytical pipeline</a:t>
+            </a:r>
+          </a:p>
+          <a:p>
+            <a:r>
+              <a:rPr lang="en-US" dirty="0"/>
+              <a:t>It monitors the code and outputs of each step (or “target”) in your workflow to ensure they stay up to date when something changes and, more importantly, to avoid rerunning steps that haven’t changed</a:t>
+            </a:r>
+          </a:p>
+          <a:p>
+            <a:r>
+              <a:rPr lang="en-US" dirty="0"/>
+              <a:t>This speeds up your analysis by only re-running code that has been modified (and its downstream dependencies)</a:t>
+            </a:r>
+          </a:p>
+          <a:p>
+            <a:r>
+              <a:rPr lang="en-US" dirty="0"/>
+              <a:t> targets also flags steps that have changed but haven’t yet been executed, so you know exactly where to focus your attention in a pipeline</a:t>
+            </a:r>
+          </a:p>
+          <a:p>
+            <a:r>
+              <a:rPr lang="en-US" dirty="0"/>
+              <a:t>An organized workflow is an efficient and reproducible workflow!</a:t>
+            </a:r>
           </a:p>
         </p:txBody>
       </p:sp>
@@ -3469,6 +3730,105 @@
     <p:extLst>
       <p:ext uri="{BB962C8B-B14F-4D97-AF65-F5344CB8AC3E}">
         <p14:creationId xmlns:p14="http://schemas.microsoft.com/office/powerpoint/2010/main" val="1224267769"/>
+      </p:ext>
+    </p:extLst>
+  </p:cSld>
+  <p:clrMapOvr>
+    <a:masterClrMapping/>
+  </p:clrMapOvr>
+</p:sld>
+</file>
+
+<file path=ppt/slides/slide3.xml><?xml version="1.0" encoding="utf-8"?>
+<p:sld xmlns:a="http://schemas.openxmlformats.org/drawingml/2006/main" xmlns:r="http://schemas.openxmlformats.org/officeDocument/2006/relationships" xmlns:p="http://schemas.openxmlformats.org/presentationml/2006/main">
+  <p:cSld>
+    <p:spTree>
+      <p:nvGrpSpPr>
+        <p:cNvPr id="1" name="">
+          <a:extLst>
+            <a:ext uri="{FF2B5EF4-FFF2-40B4-BE49-F238E27FC236}">
+              <a16:creationId xmlns:a16="http://schemas.microsoft.com/office/drawing/2014/main" id="{B2469894-F4B4-CB70-736C-2CCA02E58783}"/>
+            </a:ext>
+          </a:extLst>
+        </p:cNvPr>
+        <p:cNvGrpSpPr/>
+        <p:nvPr/>
+      </p:nvGrpSpPr>
+      <p:grpSpPr>
+        <a:xfrm>
+          <a:off x="0" y="0"/>
+          <a:ext cx="0" cy="0"/>
+          <a:chOff x="0" y="0"/>
+          <a:chExt cx="0" cy="0"/>
+        </a:xfrm>
+      </p:grpSpPr>
+      <p:sp>
+        <p:nvSpPr>
+          <p:cNvPr id="2" name="Title 1">
+            <a:extLst>
+              <a:ext uri="{FF2B5EF4-FFF2-40B4-BE49-F238E27FC236}">
+                <a16:creationId xmlns:a16="http://schemas.microsoft.com/office/drawing/2014/main" id="{7BC88C81-0084-8B28-3415-257DF0AEF2A9}"/>
+              </a:ext>
+            </a:extLst>
+          </p:cNvPr>
+          <p:cNvSpPr>
+            <a:spLocks noGrp="1"/>
+          </p:cNvSpPr>
+          <p:nvPr>
+            <p:ph type="title"/>
+          </p:nvPr>
+        </p:nvSpPr>
+        <p:spPr/>
+        <p:txBody>
+          <a:bodyPr/>
+          <a:lstStyle/>
+          <a:p>
+            <a:r>
+              <a:rPr lang="en-US" dirty="0"/>
+              <a:t>Set up</a:t>
+            </a:r>
+          </a:p>
+        </p:txBody>
+      </p:sp>
+      <p:sp>
+        <p:nvSpPr>
+          <p:cNvPr id="3" name="Content Placeholder 2">
+            <a:extLst>
+              <a:ext uri="{FF2B5EF4-FFF2-40B4-BE49-F238E27FC236}">
+                <a16:creationId xmlns:a16="http://schemas.microsoft.com/office/drawing/2014/main" id="{D7F92C42-21C3-DB69-DD65-37A8E7D3188C}"/>
+              </a:ext>
+            </a:extLst>
+          </p:cNvPr>
+          <p:cNvSpPr>
+            <a:spLocks noGrp="1"/>
+          </p:cNvSpPr>
+          <p:nvPr>
+            <p:ph idx="1"/>
+          </p:nvPr>
+        </p:nvSpPr>
+        <p:spPr/>
+        <p:txBody>
+          <a:bodyPr/>
+          <a:lstStyle/>
+          <a:p>
+            <a:r>
+              <a:rPr lang="en-US" dirty="0"/>
+              <a:t>Load `targets</a:t>
+            </a:r>
+            <a:r>
+              <a:rPr lang="en-US"/>
+              <a:t>` package</a:t>
+            </a:r>
+          </a:p>
+          <a:p>
+            <a:endParaRPr lang="en-US" dirty="0"/>
+          </a:p>
+        </p:txBody>
+      </p:sp>
+    </p:spTree>
+    <p:extLst>
+      <p:ext uri="{BB962C8B-B14F-4D97-AF65-F5344CB8AC3E}">
+        <p14:creationId xmlns:p14="http://schemas.microsoft.com/office/powerpoint/2010/main" val="3742217456"/>
       </p:ext>
     </p:extLst>
   </p:cSld>

--- a/products/slides/idig-pres.pptx
+++ b/products/slides/idig-pres.pptx
@@ -6,8 +6,11 @@
   </p:sldMasterIdLst>
   <p:sldIdLst>
     <p:sldId id="256" r:id="rId2"/>
-    <p:sldId id="257" r:id="rId3"/>
-    <p:sldId id="258" r:id="rId4"/>
+    <p:sldId id="260" r:id="rId3"/>
+    <p:sldId id="257" r:id="rId4"/>
+    <p:sldId id="261" r:id="rId5"/>
+    <p:sldId id="262" r:id="rId6"/>
+    <p:sldId id="258" r:id="rId7"/>
   </p:sldIdLst>
   <p:sldSz cx="12192000" cy="6858000"/>
   <p:notesSz cx="6858000" cy="9144000"/>
@@ -3612,6 +3615,179 @@
   <p:cSld>
     <p:spTree>
       <p:nvGrpSpPr>
+        <p:cNvPr id="1" name="">
+          <a:extLst>
+            <a:ext uri="{FF2B5EF4-FFF2-40B4-BE49-F238E27FC236}">
+              <a16:creationId xmlns:a16="http://schemas.microsoft.com/office/drawing/2014/main" id="{9D20F075-C934-9840-825A-B157B391036D}"/>
+            </a:ext>
+          </a:extLst>
+        </p:cNvPr>
+        <p:cNvGrpSpPr/>
+        <p:nvPr/>
+      </p:nvGrpSpPr>
+      <p:grpSpPr>
+        <a:xfrm>
+          <a:off x="0" y="0"/>
+          <a:ext cx="0" cy="0"/>
+          <a:chOff x="0" y="0"/>
+          <a:chExt cx="0" cy="0"/>
+        </a:xfrm>
+      </p:grpSpPr>
+      <p:sp>
+        <p:nvSpPr>
+          <p:cNvPr id="2" name="Title 1">
+            <a:extLst>
+              <a:ext uri="{FF2B5EF4-FFF2-40B4-BE49-F238E27FC236}">
+                <a16:creationId xmlns:a16="http://schemas.microsoft.com/office/drawing/2014/main" id="{B924E85D-DCB6-886B-1EF7-CEEF143664F7}"/>
+              </a:ext>
+            </a:extLst>
+          </p:cNvPr>
+          <p:cNvSpPr>
+            <a:spLocks noGrp="1"/>
+          </p:cNvSpPr>
+          <p:nvPr>
+            <p:ph type="title"/>
+          </p:nvPr>
+        </p:nvSpPr>
+        <p:spPr/>
+        <p:txBody>
+          <a:bodyPr/>
+          <a:lstStyle/>
+          <a:p>
+            <a:r>
+              <a:rPr lang="en-US" dirty="0"/>
+              <a:t>Chronic Sisyphean coding loop</a:t>
+            </a:r>
+          </a:p>
+        </p:txBody>
+      </p:sp>
+      <p:sp>
+        <p:nvSpPr>
+          <p:cNvPr id="3" name="Content Placeholder 2">
+            <a:extLst>
+              <a:ext uri="{FF2B5EF4-FFF2-40B4-BE49-F238E27FC236}">
+                <a16:creationId xmlns:a16="http://schemas.microsoft.com/office/drawing/2014/main" id="{C9B3A165-D5E4-7656-5E7C-FD418E3B7D39}"/>
+              </a:ext>
+            </a:extLst>
+          </p:cNvPr>
+          <p:cNvSpPr>
+            <a:spLocks noGrp="1"/>
+          </p:cNvSpPr>
+          <p:nvPr>
+            <p:ph idx="1"/>
+          </p:nvPr>
+        </p:nvSpPr>
+        <p:spPr/>
+        <p:txBody>
+          <a:bodyPr/>
+          <a:lstStyle/>
+          <a:p>
+            <a:pPr marL="514350" indent="-514350">
+              <a:buFont typeface="+mj-lt"/>
+              <a:buAutoNum type="arabicPeriod"/>
+            </a:pPr>
+            <a:r>
+              <a:rPr lang="en-US" dirty="0"/>
+              <a:t>Write and launch code</a:t>
+            </a:r>
+          </a:p>
+          <a:p>
+            <a:pPr marL="514350" indent="-514350">
+              <a:buFont typeface="+mj-lt"/>
+              <a:buAutoNum type="arabicPeriod"/>
+            </a:pPr>
+            <a:r>
+              <a:rPr lang="en-US" dirty="0"/>
+              <a:t>Wait while it runs</a:t>
+            </a:r>
+          </a:p>
+          <a:p>
+            <a:pPr marL="514350" indent="-514350">
+              <a:buFont typeface="+mj-lt"/>
+              <a:buAutoNum type="arabicPeriod"/>
+            </a:pPr>
+            <a:r>
+              <a:rPr lang="en-US" dirty="0"/>
+              <a:t>Discover an issue</a:t>
+            </a:r>
+          </a:p>
+          <a:p>
+            <a:pPr marL="514350" indent="-514350">
+              <a:buFont typeface="+mj-lt"/>
+              <a:buAutoNum type="arabicPeriod"/>
+            </a:pPr>
+            <a:r>
+              <a:rPr lang="en-US" dirty="0"/>
+              <a:t>Repeat</a:t>
+            </a:r>
+          </a:p>
+        </p:txBody>
+      </p:sp>
+      <p:pic>
+        <p:nvPicPr>
+          <p:cNvPr id="1026" name="Picture 2" descr="You are NOT Sisyphus – Encouraging Press">
+            <a:extLst>
+              <a:ext uri="{FF2B5EF4-FFF2-40B4-BE49-F238E27FC236}">
+                <a16:creationId xmlns:a16="http://schemas.microsoft.com/office/drawing/2014/main" id="{F1B94BB4-B417-3956-D5C5-AEEBA0502A81}"/>
+              </a:ext>
+            </a:extLst>
+          </p:cNvPr>
+          <p:cNvPicPr>
+            <a:picLocks noChangeAspect="1" noChangeArrowheads="1"/>
+          </p:cNvPicPr>
+          <p:nvPr/>
+        </p:nvPicPr>
+        <p:blipFill>
+          <a:blip r:embed="rId2">
+            <a:extLst>
+              <a:ext uri="{28A0092B-C50C-407E-A947-70E740481C1C}">
+                <a14:useLocalDpi xmlns:a14="http://schemas.microsoft.com/office/drawing/2010/main" val="0"/>
+              </a:ext>
+            </a:extLst>
+          </a:blip>
+          <a:srcRect/>
+          <a:stretch>
+            <a:fillRect/>
+          </a:stretch>
+        </p:blipFill>
+        <p:spPr bwMode="auto">
+          <a:xfrm>
+            <a:off x="6817360" y="1589456"/>
+            <a:ext cx="3584258" cy="4823675"/>
+          </a:xfrm>
+          <a:prstGeom prst="rect">
+            <a:avLst/>
+          </a:prstGeom>
+          <a:noFill/>
+          <a:extLst>
+            <a:ext uri="{909E8E84-426E-40DD-AFC4-6F175D3DCCD1}">
+              <a14:hiddenFill xmlns:a14="http://schemas.microsoft.com/office/drawing/2010/main">
+                <a:solidFill>
+                  <a:srgbClr val="FFFFFF"/>
+                </a:solidFill>
+              </a14:hiddenFill>
+            </a:ext>
+          </a:extLst>
+        </p:spPr>
+      </p:pic>
+    </p:spTree>
+    <p:extLst>
+      <p:ext uri="{BB962C8B-B14F-4D97-AF65-F5344CB8AC3E}">
+        <p14:creationId xmlns:p14="http://schemas.microsoft.com/office/powerpoint/2010/main" val="2175299580"/>
+      </p:ext>
+    </p:extLst>
+  </p:cSld>
+  <p:clrMapOvr>
+    <a:masterClrMapping/>
+  </p:clrMapOvr>
+</p:sld>
+</file>
+
+<file path=ppt/slides/slide3.xml><?xml version="1.0" encoding="utf-8"?>
+<p:sld xmlns:a="http://schemas.openxmlformats.org/drawingml/2006/main" xmlns:r="http://schemas.openxmlformats.org/officeDocument/2006/relationships" xmlns:p="http://schemas.openxmlformats.org/presentationml/2006/main">
+  <p:cSld>
+    <p:spTree>
+      <p:nvGrpSpPr>
         <p:cNvPr id="1" name=""/>
         <p:cNvGrpSpPr/>
         <p:nvPr/>
@@ -3680,52 +3856,79 @@
             <p:ph idx="1"/>
           </p:nvPr>
         </p:nvSpPr>
-        <p:spPr/>
+        <p:spPr>
+          <a:xfrm>
+            <a:off x="838200" y="1825624"/>
+            <a:ext cx="7757160" cy="4910455"/>
+          </a:xfrm>
+        </p:spPr>
         <p:txBody>
           <a:bodyPr>
-            <a:normAutofit fontScale="92500" lnSpcReduction="10000"/>
+            <a:normAutofit/>
           </a:bodyPr>
           <a:lstStyle/>
           <a:p>
             <a:r>
-              <a:rPr lang="en-US" dirty="0"/>
-              <a:t>targets is an R package </a:t>
-            </a:r>
-            <a:r>
-              <a:rPr lang="en-US"/>
-              <a:t>that organizes and tracks </a:t>
-            </a:r>
-            <a:r>
-              <a:rPr lang="en-US" dirty="0"/>
-              <a:t>the components of an analytical pipeline</a:t>
-            </a:r>
-          </a:p>
-          <a:p>
-            <a:r>
-              <a:rPr lang="en-US" dirty="0"/>
-              <a:t>It monitors the code and outputs of each step (or “target”) in your workflow to ensure they stay up to date when something changes and, more importantly, to avoid rerunning steps that haven’t changed</a:t>
-            </a:r>
-          </a:p>
-          <a:p>
-            <a:r>
-              <a:rPr lang="en-US" dirty="0"/>
-              <a:t>This speeds up your analysis by only re-running code that has been modified (and its downstream dependencies)</a:t>
-            </a:r>
-          </a:p>
-          <a:p>
-            <a:r>
-              <a:rPr lang="en-US" dirty="0"/>
-              <a:t> targets also flags steps that have changed but haven’t yet been executed, so you know exactly where to focus your attention in a pipeline</a:t>
-            </a:r>
-          </a:p>
-          <a:p>
-            <a:r>
-              <a:rPr lang="en-US" dirty="0"/>
+              <a:rPr lang="en-US" sz="2400" dirty="0"/>
+              <a:t>targets is an R package that organizes and tracks all components of an analytical pipeline</a:t>
+            </a:r>
+          </a:p>
+          <a:p>
+            <a:r>
+              <a:rPr lang="en-US" sz="2400" dirty="0"/>
+              <a:t>Monitors code and outputs so results stay current when changes occur</a:t>
+            </a:r>
+          </a:p>
+          <a:p>
+            <a:r>
+              <a:rPr lang="en-US" sz="2400" dirty="0"/>
+              <a:t>Re-runs only modified steps and their downstream dependencies to save time</a:t>
+            </a:r>
+          </a:p>
+          <a:p>
+            <a:r>
+              <a:rPr lang="en-US" sz="2400" dirty="0"/>
+              <a:t>Flags steps with pending changes so you know exactly where to work</a:t>
+            </a:r>
+          </a:p>
+          <a:p>
+            <a:r>
+              <a:rPr lang="en-US" sz="2400" dirty="0"/>
               <a:t>An organized workflow is an efficient and reproducible workflow!</a:t>
             </a:r>
           </a:p>
         </p:txBody>
       </p:sp>
+      <p:pic>
+        <p:nvPicPr>
+          <p:cNvPr id="4" name="Picture 3">
+            <a:extLst>
+              <a:ext uri="{FF2B5EF4-FFF2-40B4-BE49-F238E27FC236}">
+                <a16:creationId xmlns:a16="http://schemas.microsoft.com/office/drawing/2014/main" id="{FAB00AE4-2559-3B74-C7C3-898BBA521E8E}"/>
+              </a:ext>
+            </a:extLst>
+          </p:cNvPr>
+          <p:cNvPicPr>
+            <a:picLocks noChangeAspect="1"/>
+          </p:cNvPicPr>
+          <p:nvPr/>
+        </p:nvPicPr>
+        <p:blipFill>
+          <a:blip r:embed="rId2"/>
+          <a:stretch>
+            <a:fillRect/>
+          </a:stretch>
+        </p:blipFill>
+        <p:spPr>
+          <a:xfrm>
+            <a:off x="8595360" y="1825624"/>
+            <a:ext cx="3382489" cy="3418730"/>
+          </a:xfrm>
+          <a:prstGeom prst="rect">
+            <a:avLst/>
+          </a:prstGeom>
+        </p:spPr>
+      </p:pic>
     </p:spTree>
     <p:extLst>
       <p:ext uri="{BB962C8B-B14F-4D97-AF65-F5344CB8AC3E}">
@@ -3739,7 +3942,270 @@
 </p:sld>
 </file>
 
-<file path=ppt/slides/slide3.xml><?xml version="1.0" encoding="utf-8"?>
+<file path=ppt/slides/slide4.xml><?xml version="1.0" encoding="utf-8"?>
+<p:sld xmlns:a="http://schemas.openxmlformats.org/drawingml/2006/main" xmlns:r="http://schemas.openxmlformats.org/officeDocument/2006/relationships" xmlns:p="http://schemas.openxmlformats.org/presentationml/2006/main">
+  <p:cSld>
+    <p:spTree>
+      <p:nvGrpSpPr>
+        <p:cNvPr id="1" name=""/>
+        <p:cNvGrpSpPr/>
+        <p:nvPr/>
+      </p:nvGrpSpPr>
+      <p:grpSpPr>
+        <a:xfrm>
+          <a:off x="0" y="0"/>
+          <a:ext cx="0" cy="0"/>
+          <a:chOff x="0" y="0"/>
+          <a:chExt cx="0" cy="0"/>
+        </a:xfrm>
+      </p:grpSpPr>
+      <p:sp>
+        <p:nvSpPr>
+          <p:cNvPr id="2" name="Title 1">
+            <a:extLst>
+              <a:ext uri="{FF2B5EF4-FFF2-40B4-BE49-F238E27FC236}">
+                <a16:creationId xmlns:a16="http://schemas.microsoft.com/office/drawing/2014/main" id="{2CC10F91-2236-684A-E6CF-6ACB2928ADE7}"/>
+              </a:ext>
+            </a:extLst>
+          </p:cNvPr>
+          <p:cNvSpPr>
+            <a:spLocks noGrp="1"/>
+          </p:cNvSpPr>
+          <p:nvPr>
+            <p:ph type="title"/>
+          </p:nvPr>
+        </p:nvSpPr>
+        <p:spPr/>
+        <p:txBody>
+          <a:bodyPr/>
+          <a:lstStyle/>
+          <a:p>
+            <a:r>
+              <a:rPr lang="en-US" dirty="0"/>
+              <a:t>Still not convinced? </a:t>
+            </a:r>
+          </a:p>
+        </p:txBody>
+      </p:sp>
+      <p:pic>
+        <p:nvPicPr>
+          <p:cNvPr id="2050" name="Picture 2" descr="hide yo husbands, hide yo wives, a new bombshell is here 🤩">
+            <a:extLst>
+              <a:ext uri="{FF2B5EF4-FFF2-40B4-BE49-F238E27FC236}">
+                <a16:creationId xmlns:a16="http://schemas.microsoft.com/office/drawing/2014/main" id="{5550E34B-6ADB-20A7-A7F0-7779491244E5}"/>
+              </a:ext>
+            </a:extLst>
+          </p:cNvPr>
+          <p:cNvPicPr>
+            <a:picLocks noChangeAspect="1" noChangeArrowheads="1"/>
+          </p:cNvPicPr>
+          <p:nvPr/>
+        </p:nvPicPr>
+        <p:blipFill rotWithShape="1">
+          <a:blip r:embed="rId2">
+            <a:extLst>
+              <a:ext uri="{28A0092B-C50C-407E-A947-70E740481C1C}">
+                <a14:useLocalDpi xmlns:a14="http://schemas.microsoft.com/office/drawing/2010/main" val="0"/>
+              </a:ext>
+            </a:extLst>
+          </a:blip>
+          <a:srcRect t="8500"/>
+          <a:stretch>
+            <a:fillRect/>
+          </a:stretch>
+        </p:blipFill>
+        <p:spPr bwMode="auto">
+          <a:xfrm>
+            <a:off x="3572933" y="1341767"/>
+            <a:ext cx="4627298" cy="5287198"/>
+          </a:xfrm>
+          <a:prstGeom prst="rect">
+            <a:avLst/>
+          </a:prstGeom>
+          <a:noFill/>
+          <a:extLst>
+            <a:ext uri="{909E8E84-426E-40DD-AFC4-6F175D3DCCD1}">
+              <a14:hiddenFill xmlns:a14="http://schemas.microsoft.com/office/drawing/2010/main">
+                <a:solidFill>
+                  <a:srgbClr val="FFFFFF"/>
+                </a:solidFill>
+              </a14:hiddenFill>
+            </a:ext>
+          </a:extLst>
+        </p:spPr>
+      </p:pic>
+      <p:sp>
+        <p:nvSpPr>
+          <p:cNvPr id="4" name="Rectangle 3">
+            <a:extLst>
+              <a:ext uri="{FF2B5EF4-FFF2-40B4-BE49-F238E27FC236}">
+                <a16:creationId xmlns:a16="http://schemas.microsoft.com/office/drawing/2014/main" id="{8FA51BCD-8397-CD58-D608-06A86C78F370}"/>
+              </a:ext>
+            </a:extLst>
+          </p:cNvPr>
+          <p:cNvSpPr/>
+          <p:nvPr/>
+        </p:nvSpPr>
+        <p:spPr>
+          <a:xfrm>
+            <a:off x="6141138" y="3734800"/>
+            <a:ext cx="2059093" cy="850053"/>
+          </a:xfrm>
+          <a:prstGeom prst="rect">
+            <a:avLst/>
+          </a:prstGeom>
+        </p:spPr>
+        <p:style>
+          <a:lnRef idx="2">
+            <a:schemeClr val="accent6"/>
+          </a:lnRef>
+          <a:fillRef idx="1">
+            <a:schemeClr val="lt1"/>
+          </a:fillRef>
+          <a:effectRef idx="0">
+            <a:schemeClr val="accent6"/>
+          </a:effectRef>
+          <a:fontRef idx="minor">
+            <a:schemeClr val="dk1"/>
+          </a:fontRef>
+        </p:style>
+        <p:txBody>
+          <a:bodyPr rtlCol="0" anchor="ctr"/>
+          <a:lstStyle/>
+          <a:p>
+            <a:pPr algn="ctr"/>
+            <a:r>
+              <a:rPr lang="en-US" sz="2000" b="1" dirty="0" err="1">
+                <a:ln w="0"/>
+                <a:solidFill>
+                  <a:schemeClr val="tx1"/>
+                </a:solidFill>
+                <a:effectLst>
+                  <a:outerShdw blurRad="38100" dist="19050" dir="2700000" algn="tl" rotWithShape="0">
+                    <a:schemeClr val="dk1">
+                      <a:alpha val="40000"/>
+                    </a:schemeClr>
+                  </a:outerShdw>
+                </a:effectLst>
+              </a:rPr>
+              <a:t>tar_visnetwork</a:t>
+            </a:r>
+            <a:r>
+              <a:rPr lang="en-US" sz="2000" b="1" dirty="0">
+                <a:ln w="0"/>
+                <a:solidFill>
+                  <a:schemeClr val="tx1"/>
+                </a:solidFill>
+                <a:effectLst>
+                  <a:outerShdw blurRad="38100" dist="19050" dir="2700000" algn="tl" rotWithShape="0">
+                    <a:schemeClr val="dk1">
+                      <a:alpha val="40000"/>
+                    </a:schemeClr>
+                  </a:outerShdw>
+                </a:effectLst>
+              </a:rPr>
+              <a:t>()</a:t>
+            </a:r>
+          </a:p>
+        </p:txBody>
+      </p:sp>
+    </p:spTree>
+    <p:extLst>
+      <p:ext uri="{BB962C8B-B14F-4D97-AF65-F5344CB8AC3E}">
+        <p14:creationId xmlns:p14="http://schemas.microsoft.com/office/powerpoint/2010/main" val="2430001600"/>
+      </p:ext>
+    </p:extLst>
+  </p:cSld>
+  <p:clrMapOvr>
+    <a:masterClrMapping/>
+  </p:clrMapOvr>
+</p:sld>
+</file>
+
+<file path=ppt/slides/slide5.xml><?xml version="1.0" encoding="utf-8"?>
+<p:sld xmlns:a="http://schemas.openxmlformats.org/drawingml/2006/main" xmlns:r="http://schemas.openxmlformats.org/officeDocument/2006/relationships" xmlns:p="http://schemas.openxmlformats.org/presentationml/2006/main">
+  <p:cSld>
+    <p:spTree>
+      <p:nvGrpSpPr>
+        <p:cNvPr id="1" name=""/>
+        <p:cNvGrpSpPr/>
+        <p:nvPr/>
+      </p:nvGrpSpPr>
+      <p:grpSpPr>
+        <a:xfrm>
+          <a:off x="0" y="0"/>
+          <a:ext cx="0" cy="0"/>
+          <a:chOff x="0" y="0"/>
+          <a:chExt cx="0" cy="0"/>
+        </a:xfrm>
+      </p:grpSpPr>
+      <p:sp>
+        <p:nvSpPr>
+          <p:cNvPr id="2" name="Title 1">
+            <a:extLst>
+              <a:ext uri="{FF2B5EF4-FFF2-40B4-BE49-F238E27FC236}">
+                <a16:creationId xmlns:a16="http://schemas.microsoft.com/office/drawing/2014/main" id="{D92AF35C-A3A2-2489-80E2-43131D2668CF}"/>
+              </a:ext>
+            </a:extLst>
+          </p:cNvPr>
+          <p:cNvSpPr>
+            <a:spLocks noGrp="1"/>
+          </p:cNvSpPr>
+          <p:nvPr>
+            <p:ph type="title"/>
+          </p:nvPr>
+        </p:nvSpPr>
+        <p:spPr/>
+        <p:txBody>
+          <a:bodyPr/>
+          <a:lstStyle/>
+          <a:p>
+            <a:r>
+              <a:rPr lang="en-US" dirty="0"/>
+              <a:t>Workflow visualization</a:t>
+            </a:r>
+          </a:p>
+        </p:txBody>
+      </p:sp>
+      <p:sp>
+        <p:nvSpPr>
+          <p:cNvPr id="3" name="Content Placeholder 2">
+            <a:extLst>
+              <a:ext uri="{FF2B5EF4-FFF2-40B4-BE49-F238E27FC236}">
+                <a16:creationId xmlns:a16="http://schemas.microsoft.com/office/drawing/2014/main" id="{09C5F263-CC8A-23B8-75F7-2CB39F2710E1}"/>
+              </a:ext>
+            </a:extLst>
+          </p:cNvPr>
+          <p:cNvSpPr>
+            <a:spLocks noGrp="1"/>
+          </p:cNvSpPr>
+          <p:nvPr>
+            <p:ph idx="1"/>
+          </p:nvPr>
+        </p:nvSpPr>
+        <p:spPr/>
+        <p:txBody>
+          <a:bodyPr/>
+          <a:lstStyle/>
+          <a:p>
+            <a:endParaRPr lang="en-US" dirty="0"/>
+          </a:p>
+        </p:txBody>
+      </p:sp>
+    </p:spTree>
+    <p:extLst>
+      <p:ext uri="{BB962C8B-B14F-4D97-AF65-F5344CB8AC3E}">
+        <p14:creationId xmlns:p14="http://schemas.microsoft.com/office/powerpoint/2010/main" val="996335623"/>
+      </p:ext>
+    </p:extLst>
+  </p:cSld>
+  <p:clrMapOvr>
+    <a:masterClrMapping/>
+  </p:clrMapOvr>
+</p:sld>
+</file>
+
+<file path=ppt/slides/slide6.xml><?xml version="1.0" encoding="utf-8"?>
 <p:sld xmlns:a="http://schemas.openxmlformats.org/drawingml/2006/main" xmlns:r="http://schemas.openxmlformats.org/officeDocument/2006/relationships" xmlns:p="http://schemas.openxmlformats.org/presentationml/2006/main">
   <p:cSld>
     <p:spTree>
@@ -3785,7 +4251,7 @@
           <a:p>
             <a:r>
               <a:rPr lang="en-US" dirty="0"/>
-              <a:t>Set up</a:t>
+              <a:t>TODO</a:t>
             </a:r>
           </a:p>
         </p:txBody>
@@ -3813,11 +4279,67 @@
           <a:p>
             <a:r>
               <a:rPr lang="en-US" dirty="0"/>
-              <a:t>Load `targets</a:t>
-            </a:r>
-            <a:r>
-              <a:rPr lang="en-US"/>
-              <a:t>` package</a:t>
+              <a:t>Visualization of pipeline</a:t>
+            </a:r>
+          </a:p>
+          <a:p>
+            <a:r>
+              <a:rPr lang="en-US" dirty="0"/>
+              <a:t>Create project from scratch</a:t>
+            </a:r>
+          </a:p>
+          <a:p>
+            <a:pPr lvl="1"/>
+            <a:r>
+              <a:rPr lang="en-US" dirty="0"/>
+              <a:t>If using </a:t>
+            </a:r>
+            <a:r>
+              <a:rPr lang="en-US" dirty="0" err="1"/>
+              <a:t>github</a:t>
+            </a:r>
+            <a:r>
+              <a:rPr lang="en-US" dirty="0"/>
+              <a:t> use </a:t>
+            </a:r>
+            <a:r>
+              <a:rPr lang="en-US" dirty="0" err="1"/>
+              <a:t>gitignore</a:t>
+            </a:r>
+            <a:endParaRPr lang="en-US" dirty="0"/>
+          </a:p>
+          <a:p>
+            <a:r>
+              <a:rPr lang="en-US" dirty="0"/>
+              <a:t>“</a:t>
+            </a:r>
+            <a:r>
+              <a:rPr lang="en-US" dirty="0" err="1"/>
+              <a:t>targetize</a:t>
+            </a:r>
+            <a:r>
+              <a:rPr lang="en-US" dirty="0"/>
+              <a:t>” existing project</a:t>
+            </a:r>
+          </a:p>
+          <a:p>
+            <a:r>
+              <a:rPr lang="en-US" dirty="0"/>
+              <a:t>Debugging with targets</a:t>
+            </a:r>
+          </a:p>
+          <a:p>
+            <a:r>
+              <a:rPr lang="en-US" dirty="0"/>
+              <a:t>Targets with </a:t>
+            </a:r>
+            <a:r>
+              <a:rPr lang="en-US" dirty="0" err="1"/>
+              <a:t>uga</a:t>
+            </a:r>
+            <a:r>
+              <a:rPr lang="en-US" dirty="0"/>
+              <a:t> sapelo2 cluster</a:t>
             </a:r>
           </a:p>
           <a:p>

--- a/products/slides/idig-pres.pptx
+++ b/products/slides/idig-pres.pptx
@@ -8,9 +8,12 @@
     <p:sldId id="256" r:id="rId2"/>
     <p:sldId id="260" r:id="rId3"/>
     <p:sldId id="257" r:id="rId4"/>
-    <p:sldId id="261" r:id="rId5"/>
-    <p:sldId id="262" r:id="rId6"/>
-    <p:sldId id="258" r:id="rId7"/>
+    <p:sldId id="264" r:id="rId5"/>
+    <p:sldId id="261" r:id="rId6"/>
+    <p:sldId id="265" r:id="rId7"/>
+    <p:sldId id="262" r:id="rId8"/>
+    <p:sldId id="258" r:id="rId9"/>
+    <p:sldId id="263" r:id="rId10"/>
   </p:sldIdLst>
   <p:sldSz cx="12192000" cy="6858000"/>
   <p:notesSz cx="6858000" cy="9144000"/>
@@ -264,7 +267,7 @@
           <a:p>
             <a:fld id="{853A3392-340A-4059-9FFC-9C3C1F3955D0}" type="datetimeFigureOut">
               <a:rPr lang="en-US" smtClean="0"/>
-              <a:t>8/15/2025</a:t>
+              <a:t>8/21/2025</a:t>
             </a:fld>
             <a:endParaRPr lang="en-US"/>
           </a:p>
@@ -462,7 +465,7 @@
           <a:p>
             <a:fld id="{853A3392-340A-4059-9FFC-9C3C1F3955D0}" type="datetimeFigureOut">
               <a:rPr lang="en-US" smtClean="0"/>
-              <a:t>8/15/2025</a:t>
+              <a:t>8/21/2025</a:t>
             </a:fld>
             <a:endParaRPr lang="en-US"/>
           </a:p>
@@ -670,7 +673,7 @@
           <a:p>
             <a:fld id="{853A3392-340A-4059-9FFC-9C3C1F3955D0}" type="datetimeFigureOut">
               <a:rPr lang="en-US" smtClean="0"/>
-              <a:t>8/15/2025</a:t>
+              <a:t>8/21/2025</a:t>
             </a:fld>
             <a:endParaRPr lang="en-US"/>
           </a:p>
@@ -868,7 +871,7 @@
           <a:p>
             <a:fld id="{853A3392-340A-4059-9FFC-9C3C1F3955D0}" type="datetimeFigureOut">
               <a:rPr lang="en-US" smtClean="0"/>
-              <a:t>8/15/2025</a:t>
+              <a:t>8/21/2025</a:t>
             </a:fld>
             <a:endParaRPr lang="en-US"/>
           </a:p>
@@ -1143,7 +1146,7 @@
           <a:p>
             <a:fld id="{853A3392-340A-4059-9FFC-9C3C1F3955D0}" type="datetimeFigureOut">
               <a:rPr lang="en-US" smtClean="0"/>
-              <a:t>8/15/2025</a:t>
+              <a:t>8/21/2025</a:t>
             </a:fld>
             <a:endParaRPr lang="en-US"/>
           </a:p>
@@ -1408,7 +1411,7 @@
           <a:p>
             <a:fld id="{853A3392-340A-4059-9FFC-9C3C1F3955D0}" type="datetimeFigureOut">
               <a:rPr lang="en-US" smtClean="0"/>
-              <a:t>8/15/2025</a:t>
+              <a:t>8/21/2025</a:t>
             </a:fld>
             <a:endParaRPr lang="en-US"/>
           </a:p>
@@ -1820,7 +1823,7 @@
           <a:p>
             <a:fld id="{853A3392-340A-4059-9FFC-9C3C1F3955D0}" type="datetimeFigureOut">
               <a:rPr lang="en-US" smtClean="0"/>
-              <a:t>8/15/2025</a:t>
+              <a:t>8/21/2025</a:t>
             </a:fld>
             <a:endParaRPr lang="en-US"/>
           </a:p>
@@ -1961,7 +1964,7 @@
           <a:p>
             <a:fld id="{853A3392-340A-4059-9FFC-9C3C1F3955D0}" type="datetimeFigureOut">
               <a:rPr lang="en-US" smtClean="0"/>
-              <a:t>8/15/2025</a:t>
+              <a:t>8/21/2025</a:t>
             </a:fld>
             <a:endParaRPr lang="en-US"/>
           </a:p>
@@ -2074,7 +2077,7 @@
           <a:p>
             <a:fld id="{853A3392-340A-4059-9FFC-9C3C1F3955D0}" type="datetimeFigureOut">
               <a:rPr lang="en-US" smtClean="0"/>
-              <a:t>8/15/2025</a:t>
+              <a:t>8/21/2025</a:t>
             </a:fld>
             <a:endParaRPr lang="en-US"/>
           </a:p>
@@ -2385,7 +2388,7 @@
           <a:p>
             <a:fld id="{853A3392-340A-4059-9FFC-9C3C1F3955D0}" type="datetimeFigureOut">
               <a:rPr lang="en-US" smtClean="0"/>
-              <a:t>8/15/2025</a:t>
+              <a:t>8/21/2025</a:t>
             </a:fld>
             <a:endParaRPr lang="en-US"/>
           </a:p>
@@ -2673,7 +2676,7 @@
           <a:p>
             <a:fld id="{853A3392-340A-4059-9FFC-9C3C1F3955D0}" type="datetimeFigureOut">
               <a:rPr lang="en-US" smtClean="0"/>
-              <a:t>8/15/2025</a:t>
+              <a:t>8/21/2025</a:t>
             </a:fld>
             <a:endParaRPr lang="en-US"/>
           </a:p>
@@ -2914,7 +2917,7 @@
           <a:p>
             <a:fld id="{853A3392-340A-4059-9FFC-9C3C1F3955D0}" type="datetimeFigureOut">
               <a:rPr lang="en-US" smtClean="0"/>
-              <a:t>8/15/2025</a:t>
+              <a:t>8/21/2025</a:t>
             </a:fld>
             <a:endParaRPr lang="en-US"/>
           </a:p>
@@ -3505,10 +3508,10 @@
       </p:pic>
       <p:pic>
         <p:nvPicPr>
-          <p:cNvPr id="1028" name="Picture 4" descr="Knight archer cartoon character Royalty Free Vector Image">
-            <a:extLst>
-              <a:ext uri="{FF2B5EF4-FFF2-40B4-BE49-F238E27FC236}">
-                <a16:creationId xmlns:a16="http://schemas.microsoft.com/office/drawing/2014/main" id="{951E64F8-84B6-1A91-C958-049AC73043F0}"/>
+          <p:cNvPr id="1030" name="Picture 6" descr="Who is Alex from target and why is Alex from target so popular">
+            <a:extLst>
+              <a:ext uri="{FF2B5EF4-FFF2-40B4-BE49-F238E27FC236}">
+                <a16:creationId xmlns:a16="http://schemas.microsoft.com/office/drawing/2014/main" id="{4F3EE24A-458C-7080-41AF-08EB9CFBE061}"/>
               </a:ext>
             </a:extLst>
           </p:cNvPr>
@@ -3517,7 +3520,7 @@
           </p:cNvPicPr>
           <p:nvPr/>
         </p:nvPicPr>
-        <p:blipFill rotWithShape="1">
+        <p:blipFill>
           <a:blip r:embed="rId4">
             <a:extLst>
               <a:ext uri="{28A0092B-C50C-407E-A947-70E740481C1C}">
@@ -3525,15 +3528,15 @@
               </a:ext>
             </a:extLst>
           </a:blip>
-          <a:srcRect b="8193"/>
+          <a:srcRect/>
           <a:stretch>
             <a:fillRect/>
           </a:stretch>
         </p:blipFill>
         <p:spPr bwMode="auto">
           <a:xfrm>
-            <a:off x="567206" y="3947970"/>
-            <a:ext cx="1913588" cy="2354023"/>
+            <a:off x="519971" y="222343"/>
+            <a:ext cx="3017327" cy="2979611"/>
           </a:xfrm>
           <a:prstGeom prst="rect">
             <a:avLst/>
@@ -3552,10 +3555,10 @@
       </p:pic>
       <p:pic>
         <p:nvPicPr>
-          <p:cNvPr id="1030" name="Picture 6" descr="Who is Alex from target and why is Alex from target so popular">
-            <a:extLst>
-              <a:ext uri="{FF2B5EF4-FFF2-40B4-BE49-F238E27FC236}">
-                <a16:creationId xmlns:a16="http://schemas.microsoft.com/office/drawing/2014/main" id="{4F3EE24A-458C-7080-41AF-08EB9CFBE061}"/>
+          <p:cNvPr id="2054" name="Picture 6" descr="RStudio Company Information - Funding, Investors, and More">
+            <a:extLst>
+              <a:ext uri="{FF2B5EF4-FFF2-40B4-BE49-F238E27FC236}">
+                <a16:creationId xmlns:a16="http://schemas.microsoft.com/office/drawing/2014/main" id="{846BA2D3-AA87-89F9-2BEA-661259260B32}"/>
               </a:ext>
             </a:extLst>
           </p:cNvPr>
@@ -3564,7 +3567,7 @@
           </p:cNvPicPr>
           <p:nvPr/>
         </p:nvPicPr>
-        <p:blipFill>
+        <p:blipFill rotWithShape="1">
           <a:blip r:embed="rId5">
             <a:extLst>
               <a:ext uri="{28A0092B-C50C-407E-A947-70E740481C1C}">
@@ -3572,15 +3575,15 @@
               </a:ext>
             </a:extLst>
           </a:blip>
-          <a:srcRect/>
+          <a:srcRect l="8485" t="33624" r="9081" b="33324"/>
           <a:stretch>
             <a:fillRect/>
           </a:stretch>
         </p:blipFill>
         <p:spPr bwMode="auto">
           <a:xfrm>
-            <a:off x="519971" y="222343"/>
-            <a:ext cx="3017327" cy="2979611"/>
+            <a:off x="433137" y="4870602"/>
+            <a:ext cx="3398549" cy="1362659"/>
           </a:xfrm>
           <a:prstGeom prst="rect">
             <a:avLst/>
@@ -3677,7 +3680,12 @@
             <p:ph idx="1"/>
           </p:nvPr>
         </p:nvSpPr>
-        <p:spPr/>
+        <p:spPr>
+          <a:xfrm>
+            <a:off x="838200" y="1825625"/>
+            <a:ext cx="6431280" cy="4351338"/>
+          </a:xfrm>
+        </p:spPr>
         <p:txBody>
           <a:bodyPr/>
           <a:lstStyle/>
@@ -3688,7 +3696,7 @@
             </a:pPr>
             <a:r>
               <a:rPr lang="en-US" dirty="0"/>
-              <a:t>Write and launch code</a:t>
+              <a:t>Write code</a:t>
             </a:r>
           </a:p>
           <a:p>
@@ -3708,7 +3716,16 @@
             </a:pPr>
             <a:r>
               <a:rPr lang="en-US" dirty="0"/>
-              <a:t>Discover an issue</a:t>
+              <a:t>Discover an error </a:t>
+            </a:r>
+          </a:p>
+          <a:p>
+            <a:pPr marL="457200" lvl="1" indent="0">
+              <a:buNone/>
+            </a:pPr>
+            <a:r>
+              <a:rPr lang="en-US" sz="2000" dirty="0"/>
+              <a:t>  Or your advisor tells you to change your analysis🙂</a:t>
             </a:r>
           </a:p>
           <a:p>
@@ -3723,53 +3740,111 @@
           </a:p>
         </p:txBody>
       </p:sp>
-      <p:pic>
-        <p:nvPicPr>
-          <p:cNvPr id="1026" name="Picture 2" descr="You are NOT Sisyphus – Encouraging Press">
-            <a:extLst>
-              <a:ext uri="{FF2B5EF4-FFF2-40B4-BE49-F238E27FC236}">
-                <a16:creationId xmlns:a16="http://schemas.microsoft.com/office/drawing/2014/main" id="{F1B94BB4-B417-3956-D5C5-AEEBA0502A81}"/>
-              </a:ext>
-            </a:extLst>
-          </p:cNvPr>
-          <p:cNvPicPr>
-            <a:picLocks noChangeAspect="1" noChangeArrowheads="1"/>
-          </p:cNvPicPr>
+      <p:grpSp>
+        <p:nvGrpSpPr>
+          <p:cNvPr id="8" name="Group 7">
+            <a:extLst>
+              <a:ext uri="{FF2B5EF4-FFF2-40B4-BE49-F238E27FC236}">
+                <a16:creationId xmlns:a16="http://schemas.microsoft.com/office/drawing/2014/main" id="{C2DD2E62-311A-9B50-BE7D-95B413D5C95D}"/>
+              </a:ext>
+            </a:extLst>
+          </p:cNvPr>
+          <p:cNvGrpSpPr/>
           <p:nvPr/>
-        </p:nvPicPr>
-        <p:blipFill>
-          <a:blip r:embed="rId2">
-            <a:extLst>
-              <a:ext uri="{28A0092B-C50C-407E-A947-70E740481C1C}">
-                <a14:useLocalDpi xmlns:a14="http://schemas.microsoft.com/office/drawing/2010/main" val="0"/>
-              </a:ext>
-            </a:extLst>
-          </a:blip>
-          <a:srcRect/>
-          <a:stretch>
-            <a:fillRect/>
-          </a:stretch>
-        </p:blipFill>
-        <p:spPr bwMode="auto">
+        </p:nvGrpSpPr>
+        <p:grpSpPr>
           <a:xfrm>
-            <a:off x="6817360" y="1589456"/>
-            <a:ext cx="3584258" cy="4823675"/>
+            <a:off x="8129016" y="463483"/>
+            <a:ext cx="3693754" cy="6179233"/>
+            <a:chOff x="8119872" y="450302"/>
+            <a:chExt cx="3693754" cy="6179233"/>
           </a:xfrm>
-          <a:prstGeom prst="rect">
-            <a:avLst/>
-          </a:prstGeom>
-          <a:noFill/>
-          <a:extLst>
-            <a:ext uri="{909E8E84-426E-40DD-AFC4-6F175D3DCCD1}">
-              <a14:hiddenFill xmlns:a14="http://schemas.microsoft.com/office/drawing/2010/main">
-                <a:solidFill>
-                  <a:srgbClr val="FFFFFF"/>
-                </a:solidFill>
-              </a14:hiddenFill>
-            </a:ext>
-          </a:extLst>
-        </p:spPr>
-      </p:pic>
+        </p:grpSpPr>
+        <p:pic>
+          <p:nvPicPr>
+            <p:cNvPr id="1026" name="Picture 2" descr="You are NOT Sisyphus – Encouraging Press">
+              <a:extLst>
+                <a:ext uri="{FF2B5EF4-FFF2-40B4-BE49-F238E27FC236}">
+                  <a16:creationId xmlns:a16="http://schemas.microsoft.com/office/drawing/2014/main" id="{F1B94BB4-B417-3956-D5C5-AEEBA0502A81}"/>
+                </a:ext>
+              </a:extLst>
+            </p:cNvPr>
+            <p:cNvPicPr>
+              <a:picLocks noChangeAspect="1" noChangeArrowheads="1"/>
+            </p:cNvPicPr>
+            <p:nvPr/>
+          </p:nvPicPr>
+          <p:blipFill rotWithShape="1">
+            <a:blip r:embed="rId2">
+              <a:extLst>
+                <a:ext uri="{28A0092B-C50C-407E-A947-70E740481C1C}">
+                  <a14:useLocalDpi xmlns:a14="http://schemas.microsoft.com/office/drawing/2010/main" val="0"/>
+                </a:ext>
+              </a:extLst>
+            </a:blip>
+            <a:srcRect l="19552"/>
+            <a:stretch>
+              <a:fillRect/>
+            </a:stretch>
+          </p:blipFill>
+          <p:spPr bwMode="auto">
+            <a:xfrm>
+              <a:off x="8119872" y="450302"/>
+              <a:ext cx="3693754" cy="6179233"/>
+            </a:xfrm>
+            <a:prstGeom prst="rect">
+              <a:avLst/>
+            </a:prstGeom>
+            <a:noFill/>
+            <a:extLst>
+              <a:ext uri="{909E8E84-426E-40DD-AFC4-6F175D3DCCD1}">
+                <a14:hiddenFill xmlns:a14="http://schemas.microsoft.com/office/drawing/2010/main">
+                  <a:solidFill>
+                    <a:srgbClr val="FFFFFF"/>
+                  </a:solidFill>
+                </a14:hiddenFill>
+              </a:ext>
+            </a:extLst>
+          </p:spPr>
+        </p:pic>
+        <p:pic>
+          <p:nvPicPr>
+            <p:cNvPr id="7" name="Picture 6">
+              <a:extLst>
+                <a:ext uri="{FF2B5EF4-FFF2-40B4-BE49-F238E27FC236}">
+                  <a16:creationId xmlns:a16="http://schemas.microsoft.com/office/drawing/2014/main" id="{F91258C3-6CEF-5016-4CB8-C3A63E4D269A}"/>
+                </a:ext>
+              </a:extLst>
+            </p:cNvPr>
+            <p:cNvPicPr>
+              <a:picLocks noChangeAspect="1"/>
+            </p:cNvPicPr>
+            <p:nvPr/>
+          </p:nvPicPr>
+          <p:blipFill>
+            <a:blip r:embed="rId3">
+              <a:extLst>
+                <a:ext uri="{28A0092B-C50C-407E-A947-70E740481C1C}">
+                  <a14:useLocalDpi xmlns:a14="http://schemas.microsoft.com/office/drawing/2010/main" val="0"/>
+                </a:ext>
+              </a:extLst>
+            </a:blip>
+            <a:srcRect l="39567" t="38737" r="41487" b="29017"/>
+            <a:stretch>
+              <a:fillRect/>
+            </a:stretch>
+          </p:blipFill>
+          <p:spPr>
+            <a:xfrm>
+              <a:off x="8528684" y="3498115"/>
+              <a:ext cx="588969" cy="668287"/>
+            </a:xfrm>
+            <a:prstGeom prst="rect">
+              <a:avLst/>
+            </a:prstGeom>
+          </p:spPr>
+        </p:pic>
+      </p:grpSp>
     </p:spTree>
     <p:extLst>
       <p:ext uri="{BB962C8B-B14F-4D97-AF65-F5344CB8AC3E}">
@@ -3876,13 +3951,13 @@
           <a:p>
             <a:r>
               <a:rPr lang="en-US" sz="2400" dirty="0"/>
-              <a:t>Monitors code and outputs so results stay current when changes occur</a:t>
+              <a:t>Monitors code and outputs so results stay current when changes are made</a:t>
             </a:r>
           </a:p>
           <a:p>
             <a:r>
               <a:rPr lang="en-US" sz="2400" dirty="0"/>
-              <a:t>Re-runs only modified steps and their downstream dependencies to save time</a:t>
+              <a:t>Re-runs only modified steps and their downstream dependencies </a:t>
             </a:r>
           </a:p>
           <a:p>
@@ -3964,7 +4039,7 @@
           <p:cNvPr id="2" name="Title 1">
             <a:extLst>
               <a:ext uri="{FF2B5EF4-FFF2-40B4-BE49-F238E27FC236}">
-                <a16:creationId xmlns:a16="http://schemas.microsoft.com/office/drawing/2014/main" id="{2CC10F91-2236-684A-E6CF-6ACB2928ADE7}"/>
+                <a16:creationId xmlns:a16="http://schemas.microsoft.com/office/drawing/2014/main" id="{7A604027-C81B-A32D-BD9D-488B8B0AE6D2}"/>
               </a:ext>
             </a:extLst>
           </p:cNvPr>
@@ -3982,129 +4057,73 @@
           <a:p>
             <a:r>
               <a:rPr lang="en-US" dirty="0"/>
-              <a:t>Still not convinced? </a:t>
-            </a:r>
-          </a:p>
-        </p:txBody>
-      </p:sp>
-      <p:pic>
-        <p:nvPicPr>
-          <p:cNvPr id="2050" name="Picture 2" descr="hide yo husbands, hide yo wives, a new bombshell is here 🤩">
-            <a:extLst>
-              <a:ext uri="{FF2B5EF4-FFF2-40B4-BE49-F238E27FC236}">
-                <a16:creationId xmlns:a16="http://schemas.microsoft.com/office/drawing/2014/main" id="{5550E34B-6ADB-20A7-A7F0-7779491244E5}"/>
-              </a:ext>
-            </a:extLst>
-          </p:cNvPr>
-          <p:cNvPicPr>
-            <a:picLocks noChangeAspect="1" noChangeArrowheads="1"/>
-          </p:cNvPicPr>
-          <p:nvPr/>
-        </p:nvPicPr>
-        <p:blipFill rotWithShape="1">
-          <a:blip r:embed="rId2">
-            <a:extLst>
-              <a:ext uri="{28A0092B-C50C-407E-A947-70E740481C1C}">
-                <a14:useLocalDpi xmlns:a14="http://schemas.microsoft.com/office/drawing/2010/main" val="0"/>
-              </a:ext>
-            </a:extLst>
-          </a:blip>
-          <a:srcRect t="8500"/>
-          <a:stretch>
-            <a:fillRect/>
-          </a:stretch>
-        </p:blipFill>
-        <p:spPr bwMode="auto">
-          <a:xfrm>
-            <a:off x="3572933" y="1341767"/>
-            <a:ext cx="4627298" cy="5287198"/>
-          </a:xfrm>
-          <a:prstGeom prst="rect">
-            <a:avLst/>
-          </a:prstGeom>
-          <a:noFill/>
-          <a:extLst>
-            <a:ext uri="{909E8E84-426E-40DD-AFC4-6F175D3DCCD1}">
-              <a14:hiddenFill xmlns:a14="http://schemas.microsoft.com/office/drawing/2010/main">
+              <a:t>Things I really like about </a:t>
+            </a:r>
+            <a:r>
+              <a:rPr lang="en-US" i="1" dirty="0">
                 <a:solidFill>
-                  <a:srgbClr val="FFFFFF"/>
+                  <a:srgbClr val="FF0000"/>
                 </a:solidFill>
-              </a14:hiddenFill>
-            </a:ext>
-          </a:extLst>
-        </p:spPr>
-      </p:pic>
-      <p:sp>
-        <p:nvSpPr>
-          <p:cNvPr id="4" name="Rectangle 3">
-            <a:extLst>
-              <a:ext uri="{FF2B5EF4-FFF2-40B4-BE49-F238E27FC236}">
-                <a16:creationId xmlns:a16="http://schemas.microsoft.com/office/drawing/2014/main" id="{8FA51BCD-8397-CD58-D608-06A86C78F370}"/>
-              </a:ext>
-            </a:extLst>
-          </p:cNvPr>
-          <p:cNvSpPr/>
-          <p:nvPr/>
-        </p:nvSpPr>
-        <p:spPr>
-          <a:xfrm>
-            <a:off x="6141138" y="3734800"/>
-            <a:ext cx="2059093" cy="850053"/>
-          </a:xfrm>
-          <a:prstGeom prst="rect">
-            <a:avLst/>
-          </a:prstGeom>
-        </p:spPr>
-        <p:style>
-          <a:lnRef idx="2">
-            <a:schemeClr val="accent6"/>
-          </a:lnRef>
-          <a:fillRef idx="1">
-            <a:schemeClr val="lt1"/>
-          </a:fillRef>
-          <a:effectRef idx="0">
-            <a:schemeClr val="accent6"/>
-          </a:effectRef>
-          <a:fontRef idx="minor">
-            <a:schemeClr val="dk1"/>
-          </a:fontRef>
-        </p:style>
-        <p:txBody>
-          <a:bodyPr rtlCol="0" anchor="ctr"/>
-          <a:lstStyle/>
-          <a:p>
-            <a:pPr algn="ctr"/>
-            <a:r>
-              <a:rPr lang="en-US" sz="2000" b="1" dirty="0" err="1">
-                <a:ln w="0"/>
-                <a:solidFill>
-                  <a:schemeClr val="tx1"/>
-                </a:solidFill>
-                <a:effectLst>
-                  <a:outerShdw blurRad="38100" dist="19050" dir="2700000" algn="tl" rotWithShape="0">
-                    <a:schemeClr val="dk1">
-                      <a:alpha val="40000"/>
-                    </a:schemeClr>
-                  </a:outerShdw>
-                </a:effectLst>
               </a:rPr>
-              <a:t>tar_visnetwork</a:t>
-            </a:r>
-            <a:r>
-              <a:rPr lang="en-US" sz="2000" b="1" dirty="0">
-                <a:ln w="0"/>
-                <a:solidFill>
-                  <a:schemeClr val="tx1"/>
-                </a:solidFill>
-                <a:effectLst>
-                  <a:outerShdw blurRad="38100" dist="19050" dir="2700000" algn="tl" rotWithShape="0">
-                    <a:schemeClr val="dk1">
-                      <a:alpha val="40000"/>
-                    </a:schemeClr>
-                  </a:outerShdw>
-                </a:effectLst>
-              </a:rPr>
-              <a:t>()</a:t>
+              <a:t>t a r g e t s</a:t>
+            </a:r>
+            <a:r>
+              <a:rPr lang="en-US" dirty="0"/>
+              <a:t> </a:t>
+            </a:r>
+          </a:p>
+        </p:txBody>
+      </p:sp>
+      <p:sp>
+        <p:nvSpPr>
+          <p:cNvPr id="3" name="Content Placeholder 2">
+            <a:extLst>
+              <a:ext uri="{FF2B5EF4-FFF2-40B4-BE49-F238E27FC236}">
+                <a16:creationId xmlns:a16="http://schemas.microsoft.com/office/drawing/2014/main" id="{662DB554-EE31-A6F4-9453-96F4D9CF7F2E}"/>
+              </a:ext>
+            </a:extLst>
+          </p:cNvPr>
+          <p:cNvSpPr>
+            <a:spLocks noGrp="1"/>
+          </p:cNvSpPr>
+          <p:nvPr>
+            <p:ph idx="1"/>
+          </p:nvPr>
+        </p:nvSpPr>
+        <p:spPr/>
+        <p:txBody>
+          <a:bodyPr>
+            <a:normAutofit/>
+          </a:bodyPr>
+          <a:lstStyle/>
+          <a:p>
+            <a:r>
+              <a:rPr lang="en-US" sz="2400" dirty="0"/>
+              <a:t>Functional coding feels weird at first, but it’s SO efficient</a:t>
+            </a:r>
+          </a:p>
+          <a:p>
+            <a:r>
+              <a:rPr lang="en-US" sz="2400" dirty="0"/>
+              <a:t>Everything gets saved (and updated) automatically in the “_targets/” folder, so you don’t end up with a million random files floating around</a:t>
+            </a:r>
+          </a:p>
+          <a:p>
+            <a:r>
+              <a:rPr lang="en-US" sz="2400" dirty="0"/>
+              <a:t>Having one “master” file with all your targets makes the whole workflow way more organized and easier to follow</a:t>
+            </a:r>
+          </a:p>
+          <a:p>
+            <a:r>
+              <a:rPr lang="en-US" sz="2400" dirty="0"/>
+              <a:t>Targets has parallel processing built in, so things run faster, and you don’t have to mess with setting it up yourself</a:t>
+            </a:r>
+          </a:p>
+          <a:p>
+            <a:r>
+              <a:rPr lang="en-US" sz="2400" dirty="0"/>
+              <a:t>Reproducibility is basically forced along the way so when you come back months later (or hand it off to someone else), the pipeline is clear and still works</a:t>
             </a:r>
           </a:p>
         </p:txBody>
@@ -4112,7 +4131,7 @@
     </p:spTree>
     <p:extLst>
       <p:ext uri="{BB962C8B-B14F-4D97-AF65-F5344CB8AC3E}">
-        <p14:creationId xmlns:p14="http://schemas.microsoft.com/office/powerpoint/2010/main" val="2430001600"/>
+        <p14:creationId xmlns:p14="http://schemas.microsoft.com/office/powerpoint/2010/main" val="1796995783"/>
       </p:ext>
     </p:extLst>
   </p:cSld>
@@ -4139,6 +4158,785 @@
           <a:chExt cx="0" cy="0"/>
         </a:xfrm>
       </p:grpSpPr>
+      <p:pic>
+        <p:nvPicPr>
+          <p:cNvPr id="1026" name="Picture 2" descr="First person dumped from Love Island revealed - leaving fans furious as  early favourite axed in brutal twist | The Sun">
+            <a:extLst>
+              <a:ext uri="{FF2B5EF4-FFF2-40B4-BE49-F238E27FC236}">
+                <a16:creationId xmlns:a16="http://schemas.microsoft.com/office/drawing/2014/main" id="{FAD9D61F-F623-CD20-94D8-88614CB84675}"/>
+              </a:ext>
+            </a:extLst>
+          </p:cNvPr>
+          <p:cNvPicPr>
+            <a:picLocks noChangeAspect="1" noChangeArrowheads="1"/>
+          </p:cNvPicPr>
+          <p:nvPr/>
+        </p:nvPicPr>
+        <p:blipFill>
+          <a:blip r:embed="rId2">
+            <a:extLst>
+              <a:ext uri="{28A0092B-C50C-407E-A947-70E740481C1C}">
+                <a14:useLocalDpi xmlns:a14="http://schemas.microsoft.com/office/drawing/2010/main" val="0"/>
+              </a:ext>
+            </a:extLst>
+          </a:blip>
+          <a:srcRect/>
+          <a:stretch>
+            <a:fillRect/>
+          </a:stretch>
+        </p:blipFill>
+        <p:spPr bwMode="auto">
+          <a:xfrm>
+            <a:off x="2533048" y="2300116"/>
+            <a:ext cx="7125903" cy="4008320"/>
+          </a:xfrm>
+          <a:prstGeom prst="rect">
+            <a:avLst/>
+          </a:prstGeom>
+          <a:noFill/>
+          <a:extLst>
+            <a:ext uri="{909E8E84-426E-40DD-AFC4-6F175D3DCCD1}">
+              <a14:hiddenFill xmlns:a14="http://schemas.microsoft.com/office/drawing/2010/main">
+                <a:solidFill>
+                  <a:srgbClr val="FFFFFF"/>
+                </a:solidFill>
+              </a14:hiddenFill>
+            </a:ext>
+          </a:extLst>
+        </p:spPr>
+      </p:pic>
+      <p:sp>
+        <p:nvSpPr>
+          <p:cNvPr id="2" name="Title 1">
+            <a:extLst>
+              <a:ext uri="{FF2B5EF4-FFF2-40B4-BE49-F238E27FC236}">
+                <a16:creationId xmlns:a16="http://schemas.microsoft.com/office/drawing/2014/main" id="{2CC10F91-2236-684A-E6CF-6ACB2928ADE7}"/>
+              </a:ext>
+            </a:extLst>
+          </p:cNvPr>
+          <p:cNvSpPr>
+            <a:spLocks noGrp="1"/>
+          </p:cNvSpPr>
+          <p:nvPr>
+            <p:ph type="title"/>
+          </p:nvPr>
+        </p:nvSpPr>
+        <p:spPr/>
+        <p:txBody>
+          <a:bodyPr/>
+          <a:lstStyle/>
+          <a:p>
+            <a:r>
+              <a:rPr lang="en-US" dirty="0"/>
+              <a:t>Still haven’t turned your head? </a:t>
+            </a:r>
+          </a:p>
+        </p:txBody>
+      </p:sp>
+      <p:sp>
+        <p:nvSpPr>
+          <p:cNvPr id="4" name="Rectangle 3">
+            <a:extLst>
+              <a:ext uri="{FF2B5EF4-FFF2-40B4-BE49-F238E27FC236}">
+                <a16:creationId xmlns:a16="http://schemas.microsoft.com/office/drawing/2014/main" id="{8FA51BCD-8397-CD58-D608-06A86C78F370}"/>
+              </a:ext>
+            </a:extLst>
+          </p:cNvPr>
+          <p:cNvSpPr/>
+          <p:nvPr/>
+        </p:nvSpPr>
+        <p:spPr>
+          <a:xfrm>
+            <a:off x="6933630" y="3361159"/>
+            <a:ext cx="2059093" cy="850053"/>
+          </a:xfrm>
+          <a:prstGeom prst="rect">
+            <a:avLst/>
+          </a:prstGeom>
+        </p:spPr>
+        <p:style>
+          <a:lnRef idx="2">
+            <a:schemeClr val="accent6"/>
+          </a:lnRef>
+          <a:fillRef idx="1">
+            <a:schemeClr val="lt1"/>
+          </a:fillRef>
+          <a:effectRef idx="0">
+            <a:schemeClr val="accent6"/>
+          </a:effectRef>
+          <a:fontRef idx="minor">
+            <a:schemeClr val="dk1"/>
+          </a:fontRef>
+        </p:style>
+        <p:txBody>
+          <a:bodyPr rtlCol="0" anchor="ctr"/>
+          <a:lstStyle/>
+          <a:p>
+            <a:pPr algn="ctr"/>
+            <a:r>
+              <a:rPr lang="en-US" sz="2000" b="1" dirty="0" err="1">
+                <a:ln w="0"/>
+                <a:solidFill>
+                  <a:schemeClr val="tx1"/>
+                </a:solidFill>
+                <a:effectLst>
+                  <a:outerShdw blurRad="38100" dist="19050" dir="2700000" algn="tl" rotWithShape="0">
+                    <a:schemeClr val="dk1">
+                      <a:alpha val="40000"/>
+                    </a:schemeClr>
+                  </a:outerShdw>
+                </a:effectLst>
+              </a:rPr>
+              <a:t>tar_visnetwork</a:t>
+            </a:r>
+            <a:r>
+              <a:rPr lang="en-US" sz="2000" b="1" dirty="0">
+                <a:ln w="0"/>
+                <a:solidFill>
+                  <a:schemeClr val="tx1"/>
+                </a:solidFill>
+                <a:effectLst>
+                  <a:outerShdw blurRad="38100" dist="19050" dir="2700000" algn="tl" rotWithShape="0">
+                    <a:schemeClr val="dk1">
+                      <a:alpha val="40000"/>
+                    </a:schemeClr>
+                  </a:outerShdw>
+                </a:effectLst>
+              </a:rPr>
+              <a:t>()</a:t>
+            </a:r>
+          </a:p>
+        </p:txBody>
+      </p:sp>
+      <p:sp>
+        <p:nvSpPr>
+          <p:cNvPr id="3" name="TextBox 2">
+            <a:extLst>
+              <a:ext uri="{FF2B5EF4-FFF2-40B4-BE49-F238E27FC236}">
+                <a16:creationId xmlns:a16="http://schemas.microsoft.com/office/drawing/2014/main" id="{365394DD-8018-7193-1F6D-3DC9D5EE9120}"/>
+              </a:ext>
+            </a:extLst>
+          </p:cNvPr>
+          <p:cNvSpPr txBox="1"/>
+          <p:nvPr/>
+        </p:nvSpPr>
+        <p:spPr>
+          <a:xfrm>
+            <a:off x="2682240" y="1884364"/>
+            <a:ext cx="6876288" cy="369332"/>
+          </a:xfrm>
+          <a:prstGeom prst="rect">
+            <a:avLst/>
+          </a:prstGeom>
+          <a:noFill/>
+        </p:spPr>
+        <p:txBody>
+          <a:bodyPr wrap="square" rtlCol="0">
+            <a:spAutoFit/>
+          </a:bodyPr>
+          <a:lstStyle/>
+          <a:p>
+            <a:pPr algn="ctr"/>
+            <a:r>
+              <a:rPr lang="en-US" dirty="0">
+                <a:latin typeface="Arial Black" panose="020B0A04020102020204" pitchFamily="34" charset="0"/>
+              </a:rPr>
+              <a:t>a hot new bombshell has entered the villa</a:t>
+            </a:r>
+          </a:p>
+        </p:txBody>
+      </p:sp>
+    </p:spTree>
+    <p:extLst>
+      <p:ext uri="{BB962C8B-B14F-4D97-AF65-F5344CB8AC3E}">
+        <p14:creationId xmlns:p14="http://schemas.microsoft.com/office/powerpoint/2010/main" val="2430001600"/>
+      </p:ext>
+    </p:extLst>
+  </p:cSld>
+  <p:clrMapOvr>
+    <a:masterClrMapping/>
+  </p:clrMapOvr>
+</p:sld>
+</file>
+
+<file path=ppt/slides/slide6.xml><?xml version="1.0" encoding="utf-8"?>
+<p:sld xmlns:a="http://schemas.openxmlformats.org/drawingml/2006/main" xmlns:r="http://schemas.openxmlformats.org/officeDocument/2006/relationships" xmlns:p="http://schemas.openxmlformats.org/presentationml/2006/main">
+  <p:cSld>
+    <p:spTree>
+      <p:nvGrpSpPr>
+        <p:cNvPr id="1" name=""/>
+        <p:cNvGrpSpPr/>
+        <p:nvPr/>
+      </p:nvGrpSpPr>
+      <p:grpSpPr>
+        <a:xfrm>
+          <a:off x="0" y="0"/>
+          <a:ext cx="0" cy="0"/>
+          <a:chOff x="0" y="0"/>
+          <a:chExt cx="0" cy="0"/>
+        </a:xfrm>
+      </p:grpSpPr>
+      <p:sp>
+        <p:nvSpPr>
+          <p:cNvPr id="2" name="Title 1">
+            <a:extLst>
+              <a:ext uri="{FF2B5EF4-FFF2-40B4-BE49-F238E27FC236}">
+                <a16:creationId xmlns:a16="http://schemas.microsoft.com/office/drawing/2014/main" id="{706FFF23-89E3-566E-C829-AD6D18AA8E1C}"/>
+              </a:ext>
+            </a:extLst>
+          </p:cNvPr>
+          <p:cNvSpPr>
+            <a:spLocks noGrp="1"/>
+          </p:cNvSpPr>
+          <p:nvPr>
+            <p:ph type="title"/>
+          </p:nvPr>
+        </p:nvSpPr>
+        <p:spPr/>
+        <p:txBody>
+          <a:bodyPr/>
+          <a:lstStyle/>
+          <a:p>
+            <a:r>
+              <a:rPr lang="en-US" dirty="0" err="1"/>
+              <a:t>tar_visnetwork</a:t>
+            </a:r>
+            <a:r>
+              <a:rPr lang="en-US" dirty="0"/>
+              <a:t>()</a:t>
+            </a:r>
+          </a:p>
+        </p:txBody>
+      </p:sp>
+      <p:sp>
+        <p:nvSpPr>
+          <p:cNvPr id="3" name="Content Placeholder 2">
+            <a:extLst>
+              <a:ext uri="{FF2B5EF4-FFF2-40B4-BE49-F238E27FC236}">
+                <a16:creationId xmlns:a16="http://schemas.microsoft.com/office/drawing/2014/main" id="{0250315B-7EDC-1FEC-2A4C-94DEB4FA6772}"/>
+              </a:ext>
+            </a:extLst>
+          </p:cNvPr>
+          <p:cNvSpPr>
+            <a:spLocks noGrp="1"/>
+          </p:cNvSpPr>
+          <p:nvPr>
+            <p:ph idx="1"/>
+          </p:nvPr>
+        </p:nvSpPr>
+        <p:spPr/>
+        <p:txBody>
+          <a:bodyPr>
+            <a:normAutofit/>
+          </a:bodyPr>
+          <a:lstStyle/>
+          <a:p>
+            <a:r>
+              <a:rPr lang="en-US" sz="2400" dirty="0"/>
+              <a:t>Visualizes your entire pipeline with a dependency graph (similar to a DAG)</a:t>
+            </a:r>
+          </a:p>
+        </p:txBody>
+      </p:sp>
+      <p:pic>
+        <p:nvPicPr>
+          <p:cNvPr id="4" name="Picture 3">
+            <a:extLst>
+              <a:ext uri="{FF2B5EF4-FFF2-40B4-BE49-F238E27FC236}">
+                <a16:creationId xmlns:a16="http://schemas.microsoft.com/office/drawing/2014/main" id="{14E82B02-0930-E3D6-A6AA-958E9D0170BB}"/>
+              </a:ext>
+            </a:extLst>
+          </p:cNvPr>
+          <p:cNvPicPr>
+            <a:picLocks noChangeAspect="1"/>
+          </p:cNvPicPr>
+          <p:nvPr/>
+        </p:nvPicPr>
+        <p:blipFill>
+          <a:blip r:embed="rId2"/>
+          <a:stretch>
+            <a:fillRect/>
+          </a:stretch>
+        </p:blipFill>
+        <p:spPr>
+          <a:xfrm>
+            <a:off x="580632" y="2672188"/>
+            <a:ext cx="4476000" cy="3057732"/>
+          </a:xfrm>
+          <a:prstGeom prst="rect">
+            <a:avLst/>
+          </a:prstGeom>
+        </p:spPr>
+      </p:pic>
+      <p:sp>
+        <p:nvSpPr>
+          <p:cNvPr id="5" name="TextBox 4">
+            <a:extLst>
+              <a:ext uri="{FF2B5EF4-FFF2-40B4-BE49-F238E27FC236}">
+                <a16:creationId xmlns:a16="http://schemas.microsoft.com/office/drawing/2014/main" id="{85220C82-4E4C-085C-0995-6DBF852011E5}"/>
+              </a:ext>
+            </a:extLst>
+          </p:cNvPr>
+          <p:cNvSpPr txBox="1"/>
+          <p:nvPr/>
+        </p:nvSpPr>
+        <p:spPr>
+          <a:xfrm>
+            <a:off x="409194" y="5761464"/>
+            <a:ext cx="4218432" cy="830997"/>
+          </a:xfrm>
+          <a:prstGeom prst="rect">
+            <a:avLst/>
+          </a:prstGeom>
+          <a:noFill/>
+        </p:spPr>
+        <p:txBody>
+          <a:bodyPr wrap="square" rtlCol="0">
+            <a:spAutoFit/>
+          </a:bodyPr>
+          <a:lstStyle/>
+          <a:p>
+            <a:r>
+              <a:rPr lang="en-US" sz="1600" dirty="0"/>
+              <a:t>Who cares?! 🥱</a:t>
+            </a:r>
+          </a:p>
+          <a:p>
+            <a:r>
+              <a:rPr lang="en-US" sz="1600" dirty="0"/>
+              <a:t>That pipeline is pretty straightforward. 😴 </a:t>
+            </a:r>
+          </a:p>
+          <a:p>
+            <a:r>
+              <a:rPr lang="en-US" sz="1600" dirty="0"/>
+              <a:t>I can easily remember that! 😏</a:t>
+            </a:r>
+          </a:p>
+        </p:txBody>
+      </p:sp>
+      <p:sp>
+        <p:nvSpPr>
+          <p:cNvPr id="6" name="Arrow: Right 5">
+            <a:extLst>
+              <a:ext uri="{FF2B5EF4-FFF2-40B4-BE49-F238E27FC236}">
+                <a16:creationId xmlns:a16="http://schemas.microsoft.com/office/drawing/2014/main" id="{6969C0BB-EA6E-F50B-4DA7-7A4A850675CB}"/>
+              </a:ext>
+            </a:extLst>
+          </p:cNvPr>
+          <p:cNvSpPr/>
+          <p:nvPr/>
+        </p:nvSpPr>
+        <p:spPr>
+          <a:xfrm>
+            <a:off x="5314200" y="3713258"/>
+            <a:ext cx="972312" cy="576072"/>
+          </a:xfrm>
+          <a:prstGeom prst="rightArrow">
+            <a:avLst/>
+          </a:prstGeom>
+        </p:spPr>
+        <p:style>
+          <a:lnRef idx="2">
+            <a:schemeClr val="accent1">
+              <a:shade val="15000"/>
+            </a:schemeClr>
+          </a:lnRef>
+          <a:fillRef idx="1">
+            <a:schemeClr val="accent1"/>
+          </a:fillRef>
+          <a:effectRef idx="0">
+            <a:schemeClr val="accent1"/>
+          </a:effectRef>
+          <a:fontRef idx="minor">
+            <a:schemeClr val="lt1"/>
+          </a:fontRef>
+        </p:style>
+        <p:txBody>
+          <a:bodyPr rtlCol="0" anchor="ctr"/>
+          <a:lstStyle/>
+          <a:p>
+            <a:pPr algn="ctr"/>
+            <a:endParaRPr lang="en-US"/>
+          </a:p>
+        </p:txBody>
+      </p:sp>
+      <p:pic>
+        <p:nvPicPr>
+          <p:cNvPr id="8" name="Picture 7">
+            <a:extLst>
+              <a:ext uri="{FF2B5EF4-FFF2-40B4-BE49-F238E27FC236}">
+                <a16:creationId xmlns:a16="http://schemas.microsoft.com/office/drawing/2014/main" id="{549418DB-41B2-E525-ACDB-DE71B2F8B22C}"/>
+              </a:ext>
+            </a:extLst>
+          </p:cNvPr>
+          <p:cNvPicPr>
+            <a:picLocks noChangeAspect="1"/>
+          </p:cNvPicPr>
+          <p:nvPr/>
+        </p:nvPicPr>
+        <p:blipFill>
+          <a:blip r:embed="rId3"/>
+          <a:srcRect l="14458" t="5682" r="25432" b="9632"/>
+          <a:stretch>
+            <a:fillRect/>
+          </a:stretch>
+        </p:blipFill>
+        <p:spPr>
+          <a:xfrm>
+            <a:off x="6286512" y="2496312"/>
+            <a:ext cx="5695202" cy="3815588"/>
+          </a:xfrm>
+          <a:prstGeom prst="rect">
+            <a:avLst/>
+          </a:prstGeom>
+        </p:spPr>
+      </p:pic>
+      <p:sp>
+        <p:nvSpPr>
+          <p:cNvPr id="10" name="TextBox 9">
+            <a:extLst>
+              <a:ext uri="{FF2B5EF4-FFF2-40B4-BE49-F238E27FC236}">
+                <a16:creationId xmlns:a16="http://schemas.microsoft.com/office/drawing/2014/main" id="{F1DB4B65-83E9-AE26-94D5-BC8F8520A77D}"/>
+              </a:ext>
+            </a:extLst>
+          </p:cNvPr>
+          <p:cNvSpPr txBox="1"/>
+          <p:nvPr/>
+        </p:nvSpPr>
+        <p:spPr>
+          <a:xfrm>
+            <a:off x="10644432" y="4845383"/>
+            <a:ext cx="654014" cy="769441"/>
+          </a:xfrm>
+          <a:prstGeom prst="rect">
+            <a:avLst/>
+          </a:prstGeom>
+          <a:noFill/>
+        </p:spPr>
+        <p:txBody>
+          <a:bodyPr wrap="square" rtlCol="0">
+            <a:spAutoFit/>
+          </a:bodyPr>
+          <a:lstStyle/>
+          <a:p>
+            <a:r>
+              <a:rPr lang="en-US" sz="4400" dirty="0"/>
+              <a:t>🫣</a:t>
+            </a:r>
+          </a:p>
+        </p:txBody>
+      </p:sp>
+      <p:sp>
+        <p:nvSpPr>
+          <p:cNvPr id="11" name="TextBox 10">
+            <a:extLst>
+              <a:ext uri="{FF2B5EF4-FFF2-40B4-BE49-F238E27FC236}">
+                <a16:creationId xmlns:a16="http://schemas.microsoft.com/office/drawing/2014/main" id="{023F346C-B9CA-3110-8C79-D4678193B473}"/>
+              </a:ext>
+            </a:extLst>
+          </p:cNvPr>
+          <p:cNvSpPr txBox="1"/>
+          <p:nvPr/>
+        </p:nvSpPr>
+        <p:spPr>
+          <a:xfrm>
+            <a:off x="5577045" y="2554366"/>
+            <a:ext cx="800874" cy="646331"/>
+          </a:xfrm>
+          <a:prstGeom prst="rect">
+            <a:avLst/>
+          </a:prstGeom>
+          <a:noFill/>
+        </p:spPr>
+        <p:txBody>
+          <a:bodyPr wrap="square" rtlCol="0">
+            <a:spAutoFit/>
+          </a:bodyPr>
+          <a:lstStyle/>
+          <a:p>
+            <a:r>
+              <a:rPr lang="en-US" sz="3600" dirty="0"/>
+              <a:t>😱</a:t>
+            </a:r>
+          </a:p>
+        </p:txBody>
+      </p:sp>
+      <p:sp>
+        <p:nvSpPr>
+          <p:cNvPr id="13" name="TextBox 12">
+            <a:extLst>
+              <a:ext uri="{FF2B5EF4-FFF2-40B4-BE49-F238E27FC236}">
+                <a16:creationId xmlns:a16="http://schemas.microsoft.com/office/drawing/2014/main" id="{C2802F38-0112-A1E4-9CDB-8BF364525699}"/>
+              </a:ext>
+            </a:extLst>
+          </p:cNvPr>
+          <p:cNvSpPr txBox="1"/>
+          <p:nvPr/>
+        </p:nvSpPr>
+        <p:spPr>
+          <a:xfrm>
+            <a:off x="8038558" y="5614824"/>
+            <a:ext cx="1177774" cy="1015663"/>
+          </a:xfrm>
+          <a:prstGeom prst="rect">
+            <a:avLst/>
+          </a:prstGeom>
+          <a:noFill/>
+        </p:spPr>
+        <p:txBody>
+          <a:bodyPr wrap="square" rtlCol="0">
+            <a:spAutoFit/>
+          </a:bodyPr>
+          <a:lstStyle/>
+          <a:p>
+            <a:r>
+              <a:rPr lang="en-US" sz="6000" dirty="0"/>
+              <a:t>😮</a:t>
+            </a:r>
+          </a:p>
+        </p:txBody>
+      </p:sp>
+      <p:sp>
+        <p:nvSpPr>
+          <p:cNvPr id="14" name="TextBox 13">
+            <a:extLst>
+              <a:ext uri="{FF2B5EF4-FFF2-40B4-BE49-F238E27FC236}">
+                <a16:creationId xmlns:a16="http://schemas.microsoft.com/office/drawing/2014/main" id="{BF0C2B87-E7AF-D8EA-5151-CFC9F772BFBC}"/>
+              </a:ext>
+            </a:extLst>
+          </p:cNvPr>
+          <p:cNvSpPr txBox="1"/>
+          <p:nvPr/>
+        </p:nvSpPr>
+        <p:spPr>
+          <a:xfrm>
+            <a:off x="9316560" y="2195089"/>
+            <a:ext cx="923544" cy="769441"/>
+          </a:xfrm>
+          <a:prstGeom prst="rect">
+            <a:avLst/>
+          </a:prstGeom>
+          <a:noFill/>
+        </p:spPr>
+        <p:txBody>
+          <a:bodyPr wrap="square" rtlCol="0">
+            <a:spAutoFit/>
+          </a:bodyPr>
+          <a:lstStyle/>
+          <a:p>
+            <a:r>
+              <a:rPr lang="en-US" sz="4400" dirty="0"/>
+              <a:t>😫</a:t>
+            </a:r>
+          </a:p>
+        </p:txBody>
+      </p:sp>
+      <p:sp>
+        <p:nvSpPr>
+          <p:cNvPr id="15" name="TextBox 14">
+            <a:extLst>
+              <a:ext uri="{FF2B5EF4-FFF2-40B4-BE49-F238E27FC236}">
+                <a16:creationId xmlns:a16="http://schemas.microsoft.com/office/drawing/2014/main" id="{B2DDBDBB-3F19-E9B7-608D-E88AC274406E}"/>
+              </a:ext>
+            </a:extLst>
+          </p:cNvPr>
+          <p:cNvSpPr txBox="1"/>
+          <p:nvPr/>
+        </p:nvSpPr>
+        <p:spPr>
+          <a:xfrm>
+            <a:off x="10188644" y="5801973"/>
+            <a:ext cx="627914" cy="400110"/>
+          </a:xfrm>
+          <a:prstGeom prst="rect">
+            <a:avLst/>
+          </a:prstGeom>
+          <a:noFill/>
+        </p:spPr>
+        <p:txBody>
+          <a:bodyPr wrap="square" rtlCol="0">
+            <a:spAutoFit/>
+          </a:bodyPr>
+          <a:lstStyle/>
+          <a:p>
+            <a:r>
+              <a:rPr lang="en-US" sz="2000" dirty="0"/>
+              <a:t>😓</a:t>
+            </a:r>
+          </a:p>
+        </p:txBody>
+      </p:sp>
+      <p:sp>
+        <p:nvSpPr>
+          <p:cNvPr id="16" name="TextBox 15">
+            <a:extLst>
+              <a:ext uri="{FF2B5EF4-FFF2-40B4-BE49-F238E27FC236}">
+                <a16:creationId xmlns:a16="http://schemas.microsoft.com/office/drawing/2014/main" id="{6076E549-F7F6-D41B-3340-EA1242623348}"/>
+              </a:ext>
+            </a:extLst>
+          </p:cNvPr>
+          <p:cNvSpPr txBox="1"/>
+          <p:nvPr/>
+        </p:nvSpPr>
+        <p:spPr>
+          <a:xfrm>
+            <a:off x="11439156" y="2844225"/>
+            <a:ext cx="700278" cy="461665"/>
+          </a:xfrm>
+          <a:prstGeom prst="rect">
+            <a:avLst/>
+          </a:prstGeom>
+          <a:noFill/>
+        </p:spPr>
+        <p:txBody>
+          <a:bodyPr wrap="square" rtlCol="0">
+            <a:spAutoFit/>
+          </a:bodyPr>
+          <a:lstStyle/>
+          <a:p>
+            <a:r>
+              <a:rPr lang="en-US" sz="2400" dirty="0"/>
+              <a:t>😖</a:t>
+            </a:r>
+          </a:p>
+        </p:txBody>
+      </p:sp>
+      <p:sp>
+        <p:nvSpPr>
+          <p:cNvPr id="17" name="TextBox 16">
+            <a:extLst>
+              <a:ext uri="{FF2B5EF4-FFF2-40B4-BE49-F238E27FC236}">
+                <a16:creationId xmlns:a16="http://schemas.microsoft.com/office/drawing/2014/main" id="{BAF0D772-D4B0-C7B1-3F9C-068F0698CE1F}"/>
+              </a:ext>
+            </a:extLst>
+          </p:cNvPr>
+          <p:cNvSpPr txBox="1"/>
+          <p:nvPr/>
+        </p:nvSpPr>
+        <p:spPr>
+          <a:xfrm>
+            <a:off x="11125199" y="6020754"/>
+            <a:ext cx="627914" cy="769441"/>
+          </a:xfrm>
+          <a:prstGeom prst="rect">
+            <a:avLst/>
+          </a:prstGeom>
+          <a:noFill/>
+        </p:spPr>
+        <p:txBody>
+          <a:bodyPr wrap="square" rtlCol="0">
+            <a:spAutoFit/>
+          </a:bodyPr>
+          <a:lstStyle/>
+          <a:p>
+            <a:r>
+              <a:rPr lang="en-US" sz="4400" dirty="0"/>
+              <a:t>😰</a:t>
+            </a:r>
+          </a:p>
+        </p:txBody>
+      </p:sp>
+      <p:sp>
+        <p:nvSpPr>
+          <p:cNvPr id="18" name="TextBox 17">
+            <a:extLst>
+              <a:ext uri="{FF2B5EF4-FFF2-40B4-BE49-F238E27FC236}">
+                <a16:creationId xmlns:a16="http://schemas.microsoft.com/office/drawing/2014/main" id="{3D126A40-A593-5327-7C29-337ACCFDD777}"/>
+              </a:ext>
+            </a:extLst>
+          </p:cNvPr>
+          <p:cNvSpPr txBox="1"/>
+          <p:nvPr/>
+        </p:nvSpPr>
+        <p:spPr>
+          <a:xfrm>
+            <a:off x="5285632" y="4641295"/>
+            <a:ext cx="1029449" cy="830997"/>
+          </a:xfrm>
+          <a:prstGeom prst="rect">
+            <a:avLst/>
+          </a:prstGeom>
+          <a:noFill/>
+        </p:spPr>
+        <p:txBody>
+          <a:bodyPr wrap="none" rtlCol="0">
+            <a:spAutoFit/>
+          </a:bodyPr>
+          <a:lstStyle/>
+          <a:p>
+            <a:r>
+              <a:rPr lang="en-US" sz="4800" dirty="0"/>
+              <a:t>🤯</a:t>
+            </a:r>
+          </a:p>
+        </p:txBody>
+      </p:sp>
+      <p:sp>
+        <p:nvSpPr>
+          <p:cNvPr id="19" name="TextBox 18">
+            <a:extLst>
+              <a:ext uri="{FF2B5EF4-FFF2-40B4-BE49-F238E27FC236}">
+                <a16:creationId xmlns:a16="http://schemas.microsoft.com/office/drawing/2014/main" id="{EA5B0EC1-19EA-CB0B-051D-7115EAAA8F50}"/>
+              </a:ext>
+            </a:extLst>
+          </p:cNvPr>
+          <p:cNvSpPr txBox="1"/>
+          <p:nvPr/>
+        </p:nvSpPr>
+        <p:spPr>
+          <a:xfrm>
+            <a:off x="9132957" y="5502206"/>
+            <a:ext cx="801237" cy="523220"/>
+          </a:xfrm>
+          <a:prstGeom prst="rect">
+            <a:avLst/>
+          </a:prstGeom>
+          <a:noFill/>
+        </p:spPr>
+        <p:txBody>
+          <a:bodyPr wrap="square" rtlCol="0">
+            <a:spAutoFit/>
+          </a:bodyPr>
+          <a:lstStyle/>
+          <a:p>
+            <a:r>
+              <a:rPr lang="en-US" sz="2800" dirty="0"/>
+              <a:t>🥴</a:t>
+            </a:r>
+          </a:p>
+        </p:txBody>
+      </p:sp>
+    </p:spTree>
+    <p:extLst>
+      <p:ext uri="{BB962C8B-B14F-4D97-AF65-F5344CB8AC3E}">
+        <p14:creationId xmlns:p14="http://schemas.microsoft.com/office/powerpoint/2010/main" val="2124851697"/>
+      </p:ext>
+    </p:extLst>
+  </p:cSld>
+  <p:clrMapOvr>
+    <a:masterClrMapping/>
+  </p:clrMapOvr>
+</p:sld>
+</file>
+
+<file path=ppt/slides/slide7.xml><?xml version="1.0" encoding="utf-8"?>
+<p:sld xmlns:a="http://schemas.openxmlformats.org/drawingml/2006/main" xmlns:r="http://schemas.openxmlformats.org/officeDocument/2006/relationships" xmlns:p="http://schemas.openxmlformats.org/presentationml/2006/main">
+  <p:cSld>
+    <p:spTree>
+      <p:nvGrpSpPr>
+        <p:cNvPr id="1" name=""/>
+        <p:cNvGrpSpPr/>
+        <p:nvPr/>
+      </p:nvGrpSpPr>
+      <p:grpSpPr>
+        <a:xfrm>
+          <a:off x="0" y="0"/>
+          <a:ext cx="0" cy="0"/>
+          <a:chOff x="0" y="0"/>
+          <a:chExt cx="0" cy="0"/>
+        </a:xfrm>
+      </p:grpSpPr>
       <p:sp>
         <p:nvSpPr>
           <p:cNvPr id="2" name="Title 1">
@@ -4205,7 +5003,7 @@
 </p:sld>
 </file>
 
-<file path=ppt/slides/slide6.xml><?xml version="1.0" encoding="utf-8"?>
+<file path=ppt/slides/slide8.xml><?xml version="1.0" encoding="utf-8"?>
 <p:sld xmlns:a="http://schemas.openxmlformats.org/drawingml/2006/main" xmlns:r="http://schemas.openxmlformats.org/officeDocument/2006/relationships" xmlns:p="http://schemas.openxmlformats.org/presentationml/2006/main">
   <p:cSld>
     <p:spTree>
@@ -4331,15 +5129,13 @@
           <a:p>
             <a:r>
               <a:rPr lang="en-US" dirty="0"/>
-              <a:t>Targets with </a:t>
-            </a:r>
-            <a:r>
-              <a:rPr lang="en-US" dirty="0" err="1"/>
-              <a:t>uga</a:t>
-            </a:r>
+              <a:t>Targets with uga sapelo2 cluster</a:t>
+            </a:r>
+          </a:p>
+          <a:p>
             <a:r>
               <a:rPr lang="en-US" dirty="0"/>
-              <a:t> sapelo2 cluster</a:t>
+              <a:t>Parallel processing in targets</a:t>
             </a:r>
           </a:p>
           <a:p>
@@ -4351,6 +5147,86 @@
     <p:extLst>
       <p:ext uri="{BB962C8B-B14F-4D97-AF65-F5344CB8AC3E}">
         <p14:creationId xmlns:p14="http://schemas.microsoft.com/office/powerpoint/2010/main" val="3742217456"/>
+      </p:ext>
+    </p:extLst>
+  </p:cSld>
+  <p:clrMapOvr>
+    <a:masterClrMapping/>
+  </p:clrMapOvr>
+</p:sld>
+</file>
+
+<file path=ppt/slides/slide9.xml><?xml version="1.0" encoding="utf-8"?>
+<p:sld xmlns:a="http://schemas.openxmlformats.org/drawingml/2006/main" xmlns:r="http://schemas.openxmlformats.org/officeDocument/2006/relationships" xmlns:p="http://schemas.openxmlformats.org/presentationml/2006/main">
+  <p:cSld>
+    <p:spTree>
+      <p:nvGrpSpPr>
+        <p:cNvPr id="1" name=""/>
+        <p:cNvGrpSpPr/>
+        <p:nvPr/>
+      </p:nvGrpSpPr>
+      <p:grpSpPr>
+        <a:xfrm>
+          <a:off x="0" y="0"/>
+          <a:ext cx="0" cy="0"/>
+          <a:chOff x="0" y="0"/>
+          <a:chExt cx="0" cy="0"/>
+        </a:xfrm>
+      </p:grpSpPr>
+      <p:sp>
+        <p:nvSpPr>
+          <p:cNvPr id="2" name="Title 1">
+            <a:extLst>
+              <a:ext uri="{FF2B5EF4-FFF2-40B4-BE49-F238E27FC236}">
+                <a16:creationId xmlns:a16="http://schemas.microsoft.com/office/drawing/2014/main" id="{B76B7C62-B549-3491-55E1-D0862D072C7E}"/>
+              </a:ext>
+            </a:extLst>
+          </p:cNvPr>
+          <p:cNvSpPr>
+            <a:spLocks noGrp="1"/>
+          </p:cNvSpPr>
+          <p:nvPr>
+            <p:ph type="title"/>
+          </p:nvPr>
+        </p:nvSpPr>
+        <p:spPr/>
+        <p:txBody>
+          <a:bodyPr/>
+          <a:lstStyle/>
+          <a:p>
+            <a:endParaRPr lang="en-US" dirty="0"/>
+          </a:p>
+        </p:txBody>
+      </p:sp>
+      <p:sp>
+        <p:nvSpPr>
+          <p:cNvPr id="3" name="Content Placeholder 2">
+            <a:extLst>
+              <a:ext uri="{FF2B5EF4-FFF2-40B4-BE49-F238E27FC236}">
+                <a16:creationId xmlns:a16="http://schemas.microsoft.com/office/drawing/2014/main" id="{D936B8CF-FBFC-1D53-AA98-6ADA89DFC142}"/>
+              </a:ext>
+            </a:extLst>
+          </p:cNvPr>
+          <p:cNvSpPr>
+            <a:spLocks noGrp="1"/>
+          </p:cNvSpPr>
+          <p:nvPr>
+            <p:ph idx="1"/>
+          </p:nvPr>
+        </p:nvSpPr>
+        <p:spPr/>
+        <p:txBody>
+          <a:bodyPr/>
+          <a:lstStyle/>
+          <a:p>
+            <a:endParaRPr lang="en-US"/>
+          </a:p>
+        </p:txBody>
+      </p:sp>
+    </p:spTree>
+    <p:extLst>
+      <p:ext uri="{BB962C8B-B14F-4D97-AF65-F5344CB8AC3E}">
+        <p14:creationId xmlns:p14="http://schemas.microsoft.com/office/powerpoint/2010/main" val="3869136397"/>
       </p:ext>
     </p:extLst>
   </p:cSld>

--- a/products/slides/idig-pres.pptx
+++ b/products/slides/idig-pres.pptx
@@ -11,9 +11,12 @@
     <p:sldId id="264" r:id="rId5"/>
     <p:sldId id="261" r:id="rId6"/>
     <p:sldId id="265" r:id="rId7"/>
-    <p:sldId id="262" r:id="rId8"/>
-    <p:sldId id="258" r:id="rId9"/>
-    <p:sldId id="263" r:id="rId10"/>
+    <p:sldId id="266" r:id="rId8"/>
+    <p:sldId id="262" r:id="rId9"/>
+    <p:sldId id="268" r:id="rId10"/>
+    <p:sldId id="267" r:id="rId11"/>
+    <p:sldId id="258" r:id="rId12"/>
+    <p:sldId id="263" r:id="rId13"/>
   </p:sldIdLst>
   <p:sldSz cx="12192000" cy="6858000"/>
   <p:notesSz cx="6858000" cy="9144000"/>
@@ -267,7 +270,7 @@
           <a:p>
             <a:fld id="{853A3392-340A-4059-9FFC-9C3C1F3955D0}" type="datetimeFigureOut">
               <a:rPr lang="en-US" smtClean="0"/>
-              <a:t>8/21/2025</a:t>
+              <a:t>8/22/2025</a:t>
             </a:fld>
             <a:endParaRPr lang="en-US"/>
           </a:p>
@@ -465,7 +468,7 @@
           <a:p>
             <a:fld id="{853A3392-340A-4059-9FFC-9C3C1F3955D0}" type="datetimeFigureOut">
               <a:rPr lang="en-US" smtClean="0"/>
-              <a:t>8/21/2025</a:t>
+              <a:t>8/22/2025</a:t>
             </a:fld>
             <a:endParaRPr lang="en-US"/>
           </a:p>
@@ -673,7 +676,7 @@
           <a:p>
             <a:fld id="{853A3392-340A-4059-9FFC-9C3C1F3955D0}" type="datetimeFigureOut">
               <a:rPr lang="en-US" smtClean="0"/>
-              <a:t>8/21/2025</a:t>
+              <a:t>8/22/2025</a:t>
             </a:fld>
             <a:endParaRPr lang="en-US"/>
           </a:p>
@@ -871,7 +874,7 @@
           <a:p>
             <a:fld id="{853A3392-340A-4059-9FFC-9C3C1F3955D0}" type="datetimeFigureOut">
               <a:rPr lang="en-US" smtClean="0"/>
-              <a:t>8/21/2025</a:t>
+              <a:t>8/22/2025</a:t>
             </a:fld>
             <a:endParaRPr lang="en-US"/>
           </a:p>
@@ -1146,7 +1149,7 @@
           <a:p>
             <a:fld id="{853A3392-340A-4059-9FFC-9C3C1F3955D0}" type="datetimeFigureOut">
               <a:rPr lang="en-US" smtClean="0"/>
-              <a:t>8/21/2025</a:t>
+              <a:t>8/22/2025</a:t>
             </a:fld>
             <a:endParaRPr lang="en-US"/>
           </a:p>
@@ -1411,7 +1414,7 @@
           <a:p>
             <a:fld id="{853A3392-340A-4059-9FFC-9C3C1F3955D0}" type="datetimeFigureOut">
               <a:rPr lang="en-US" smtClean="0"/>
-              <a:t>8/21/2025</a:t>
+              <a:t>8/22/2025</a:t>
             </a:fld>
             <a:endParaRPr lang="en-US"/>
           </a:p>
@@ -1823,7 +1826,7 @@
           <a:p>
             <a:fld id="{853A3392-340A-4059-9FFC-9C3C1F3955D0}" type="datetimeFigureOut">
               <a:rPr lang="en-US" smtClean="0"/>
-              <a:t>8/21/2025</a:t>
+              <a:t>8/22/2025</a:t>
             </a:fld>
             <a:endParaRPr lang="en-US"/>
           </a:p>
@@ -1964,7 +1967,7 @@
           <a:p>
             <a:fld id="{853A3392-340A-4059-9FFC-9C3C1F3955D0}" type="datetimeFigureOut">
               <a:rPr lang="en-US" smtClean="0"/>
-              <a:t>8/21/2025</a:t>
+              <a:t>8/22/2025</a:t>
             </a:fld>
             <a:endParaRPr lang="en-US"/>
           </a:p>
@@ -2077,7 +2080,7 @@
           <a:p>
             <a:fld id="{853A3392-340A-4059-9FFC-9C3C1F3955D0}" type="datetimeFigureOut">
               <a:rPr lang="en-US" smtClean="0"/>
-              <a:t>8/21/2025</a:t>
+              <a:t>8/22/2025</a:t>
             </a:fld>
             <a:endParaRPr lang="en-US"/>
           </a:p>
@@ -2388,7 +2391,7 @@
           <a:p>
             <a:fld id="{853A3392-340A-4059-9FFC-9C3C1F3955D0}" type="datetimeFigureOut">
               <a:rPr lang="en-US" smtClean="0"/>
-              <a:t>8/21/2025</a:t>
+              <a:t>8/22/2025</a:t>
             </a:fld>
             <a:endParaRPr lang="en-US"/>
           </a:p>
@@ -2676,7 +2679,7 @@
           <a:p>
             <a:fld id="{853A3392-340A-4059-9FFC-9C3C1F3955D0}" type="datetimeFigureOut">
               <a:rPr lang="en-US" smtClean="0"/>
-              <a:t>8/21/2025</a:t>
+              <a:t>8/22/2025</a:t>
             </a:fld>
             <a:endParaRPr lang="en-US"/>
           </a:p>
@@ -2917,7 +2920,7 @@
           <a:p>
             <a:fld id="{853A3392-340A-4059-9FFC-9C3C1F3955D0}" type="datetimeFigureOut">
               <a:rPr lang="en-US" smtClean="0"/>
-              <a:t>8/21/2025</a:t>
+              <a:t>8/22/2025</a:t>
             </a:fld>
             <a:endParaRPr lang="en-US"/>
           </a:p>
@@ -3613,6 +3616,330 @@
 </p:sld>
 </file>
 
+<file path=ppt/slides/slide10.xml><?xml version="1.0" encoding="utf-8"?>
+<p:sld xmlns:a="http://schemas.openxmlformats.org/drawingml/2006/main" xmlns:r="http://schemas.openxmlformats.org/officeDocument/2006/relationships" xmlns:p="http://schemas.openxmlformats.org/presentationml/2006/main">
+  <p:cSld>
+    <p:spTree>
+      <p:nvGrpSpPr>
+        <p:cNvPr id="1" name=""/>
+        <p:cNvGrpSpPr/>
+        <p:nvPr/>
+      </p:nvGrpSpPr>
+      <p:grpSpPr>
+        <a:xfrm>
+          <a:off x="0" y="0"/>
+          <a:ext cx="0" cy="0"/>
+          <a:chOff x="0" y="0"/>
+          <a:chExt cx="0" cy="0"/>
+        </a:xfrm>
+      </p:grpSpPr>
+      <p:sp>
+        <p:nvSpPr>
+          <p:cNvPr id="2" name="Title 1">
+            <a:extLst>
+              <a:ext uri="{FF2B5EF4-FFF2-40B4-BE49-F238E27FC236}">
+                <a16:creationId xmlns:a16="http://schemas.microsoft.com/office/drawing/2014/main" id="{555F318D-7BAB-C50B-C174-9BE6E4C88E46}"/>
+              </a:ext>
+            </a:extLst>
+          </p:cNvPr>
+          <p:cNvSpPr>
+            <a:spLocks noGrp="1"/>
+          </p:cNvSpPr>
+          <p:nvPr>
+            <p:ph type="title"/>
+          </p:nvPr>
+        </p:nvSpPr>
+        <p:spPr/>
+        <p:txBody>
+          <a:bodyPr/>
+          <a:lstStyle/>
+          <a:p>
+            <a:r>
+              <a:rPr lang="en-US" dirty="0"/>
+              <a:t>Things I always set up in the _</a:t>
+            </a:r>
+            <a:r>
+              <a:rPr lang="en-US" dirty="0" err="1"/>
+              <a:t>targets.R</a:t>
+            </a:r>
+            <a:r>
+              <a:rPr lang="en-US" dirty="0"/>
+              <a:t> file</a:t>
+            </a:r>
+          </a:p>
+        </p:txBody>
+      </p:sp>
+      <p:sp>
+        <p:nvSpPr>
+          <p:cNvPr id="3" name="Content Placeholder 2">
+            <a:extLst>
+              <a:ext uri="{FF2B5EF4-FFF2-40B4-BE49-F238E27FC236}">
+                <a16:creationId xmlns:a16="http://schemas.microsoft.com/office/drawing/2014/main" id="{6BBE4284-778A-B3C5-6668-6B4CCA33F192}"/>
+              </a:ext>
+            </a:extLst>
+          </p:cNvPr>
+          <p:cNvSpPr>
+            <a:spLocks noGrp="1"/>
+          </p:cNvSpPr>
+          <p:nvPr>
+            <p:ph idx="1"/>
+          </p:nvPr>
+        </p:nvSpPr>
+        <p:spPr/>
+        <p:txBody>
+          <a:bodyPr/>
+          <a:lstStyle/>
+          <a:p>
+            <a:endParaRPr lang="en-US" dirty="0"/>
+          </a:p>
+        </p:txBody>
+      </p:sp>
+    </p:spTree>
+    <p:extLst>
+      <p:ext uri="{BB962C8B-B14F-4D97-AF65-F5344CB8AC3E}">
+        <p14:creationId xmlns:p14="http://schemas.microsoft.com/office/powerpoint/2010/main" val="4259128756"/>
+      </p:ext>
+    </p:extLst>
+  </p:cSld>
+  <p:clrMapOvr>
+    <a:masterClrMapping/>
+  </p:clrMapOvr>
+</p:sld>
+</file>
+
+<file path=ppt/slides/slide11.xml><?xml version="1.0" encoding="utf-8"?>
+<p:sld xmlns:a="http://schemas.openxmlformats.org/drawingml/2006/main" xmlns:r="http://schemas.openxmlformats.org/officeDocument/2006/relationships" xmlns:p="http://schemas.openxmlformats.org/presentationml/2006/main">
+  <p:cSld>
+    <p:spTree>
+      <p:nvGrpSpPr>
+        <p:cNvPr id="1" name="">
+          <a:extLst>
+            <a:ext uri="{FF2B5EF4-FFF2-40B4-BE49-F238E27FC236}">
+              <a16:creationId xmlns:a16="http://schemas.microsoft.com/office/drawing/2014/main" id="{B2469894-F4B4-CB70-736C-2CCA02E58783}"/>
+            </a:ext>
+          </a:extLst>
+        </p:cNvPr>
+        <p:cNvGrpSpPr/>
+        <p:nvPr/>
+      </p:nvGrpSpPr>
+      <p:grpSpPr>
+        <a:xfrm>
+          <a:off x="0" y="0"/>
+          <a:ext cx="0" cy="0"/>
+          <a:chOff x="0" y="0"/>
+          <a:chExt cx="0" cy="0"/>
+        </a:xfrm>
+      </p:grpSpPr>
+      <p:sp>
+        <p:nvSpPr>
+          <p:cNvPr id="2" name="Title 1">
+            <a:extLst>
+              <a:ext uri="{FF2B5EF4-FFF2-40B4-BE49-F238E27FC236}">
+                <a16:creationId xmlns:a16="http://schemas.microsoft.com/office/drawing/2014/main" id="{7BC88C81-0084-8B28-3415-257DF0AEF2A9}"/>
+              </a:ext>
+            </a:extLst>
+          </p:cNvPr>
+          <p:cNvSpPr>
+            <a:spLocks noGrp="1"/>
+          </p:cNvSpPr>
+          <p:nvPr>
+            <p:ph type="title"/>
+          </p:nvPr>
+        </p:nvSpPr>
+        <p:spPr/>
+        <p:txBody>
+          <a:bodyPr/>
+          <a:lstStyle/>
+          <a:p>
+            <a:r>
+              <a:rPr lang="en-US" dirty="0"/>
+              <a:t>TODO</a:t>
+            </a:r>
+          </a:p>
+        </p:txBody>
+      </p:sp>
+      <p:sp>
+        <p:nvSpPr>
+          <p:cNvPr id="3" name="Content Placeholder 2">
+            <a:extLst>
+              <a:ext uri="{FF2B5EF4-FFF2-40B4-BE49-F238E27FC236}">
+                <a16:creationId xmlns:a16="http://schemas.microsoft.com/office/drawing/2014/main" id="{D7F92C42-21C3-DB69-DD65-37A8E7D3188C}"/>
+              </a:ext>
+            </a:extLst>
+          </p:cNvPr>
+          <p:cNvSpPr>
+            <a:spLocks noGrp="1"/>
+          </p:cNvSpPr>
+          <p:nvPr>
+            <p:ph idx="1"/>
+          </p:nvPr>
+        </p:nvSpPr>
+        <p:spPr/>
+        <p:txBody>
+          <a:bodyPr/>
+          <a:lstStyle/>
+          <a:p>
+            <a:r>
+              <a:rPr lang="en-US" dirty="0"/>
+              <a:t>Visualization of pipeline</a:t>
+            </a:r>
+          </a:p>
+          <a:p>
+            <a:r>
+              <a:rPr lang="en-US" dirty="0"/>
+              <a:t>Create project from scratch</a:t>
+            </a:r>
+          </a:p>
+          <a:p>
+            <a:pPr lvl="1"/>
+            <a:r>
+              <a:rPr lang="en-US" dirty="0"/>
+              <a:t>If using </a:t>
+            </a:r>
+            <a:r>
+              <a:rPr lang="en-US" dirty="0" err="1"/>
+              <a:t>github</a:t>
+            </a:r>
+            <a:r>
+              <a:rPr lang="en-US" dirty="0"/>
+              <a:t> use </a:t>
+            </a:r>
+            <a:r>
+              <a:rPr lang="en-US" dirty="0" err="1"/>
+              <a:t>gitignore</a:t>
+            </a:r>
+            <a:endParaRPr lang="en-US" dirty="0"/>
+          </a:p>
+          <a:p>
+            <a:r>
+              <a:rPr lang="en-US" dirty="0"/>
+              <a:t>“</a:t>
+            </a:r>
+            <a:r>
+              <a:rPr lang="en-US" dirty="0" err="1"/>
+              <a:t>targetize</a:t>
+            </a:r>
+            <a:r>
+              <a:rPr lang="en-US" dirty="0"/>
+              <a:t>” existing project</a:t>
+            </a:r>
+          </a:p>
+          <a:p>
+            <a:r>
+              <a:rPr lang="en-US" dirty="0"/>
+              <a:t>Debugging with targets</a:t>
+            </a:r>
+          </a:p>
+          <a:p>
+            <a:r>
+              <a:rPr lang="en-US" dirty="0"/>
+              <a:t>Targets with uga sapelo2 cluster</a:t>
+            </a:r>
+          </a:p>
+          <a:p>
+            <a:r>
+              <a:rPr lang="en-US" dirty="0"/>
+              <a:t>Parallel processing in targets</a:t>
+            </a:r>
+          </a:p>
+          <a:p>
+            <a:endParaRPr lang="en-US" dirty="0"/>
+          </a:p>
+        </p:txBody>
+      </p:sp>
+    </p:spTree>
+    <p:extLst>
+      <p:ext uri="{BB962C8B-B14F-4D97-AF65-F5344CB8AC3E}">
+        <p14:creationId xmlns:p14="http://schemas.microsoft.com/office/powerpoint/2010/main" val="3742217456"/>
+      </p:ext>
+    </p:extLst>
+  </p:cSld>
+  <p:clrMapOvr>
+    <a:masterClrMapping/>
+  </p:clrMapOvr>
+</p:sld>
+</file>
+
+<file path=ppt/slides/slide12.xml><?xml version="1.0" encoding="utf-8"?>
+<p:sld xmlns:a="http://schemas.openxmlformats.org/drawingml/2006/main" xmlns:r="http://schemas.openxmlformats.org/officeDocument/2006/relationships" xmlns:p="http://schemas.openxmlformats.org/presentationml/2006/main">
+  <p:cSld>
+    <p:spTree>
+      <p:nvGrpSpPr>
+        <p:cNvPr id="1" name=""/>
+        <p:cNvGrpSpPr/>
+        <p:nvPr/>
+      </p:nvGrpSpPr>
+      <p:grpSpPr>
+        <a:xfrm>
+          <a:off x="0" y="0"/>
+          <a:ext cx="0" cy="0"/>
+          <a:chOff x="0" y="0"/>
+          <a:chExt cx="0" cy="0"/>
+        </a:xfrm>
+      </p:grpSpPr>
+      <p:sp>
+        <p:nvSpPr>
+          <p:cNvPr id="2" name="Title 1">
+            <a:extLst>
+              <a:ext uri="{FF2B5EF4-FFF2-40B4-BE49-F238E27FC236}">
+                <a16:creationId xmlns:a16="http://schemas.microsoft.com/office/drawing/2014/main" id="{B76B7C62-B549-3491-55E1-D0862D072C7E}"/>
+              </a:ext>
+            </a:extLst>
+          </p:cNvPr>
+          <p:cNvSpPr>
+            <a:spLocks noGrp="1"/>
+          </p:cNvSpPr>
+          <p:nvPr>
+            <p:ph type="title"/>
+          </p:nvPr>
+        </p:nvSpPr>
+        <p:spPr/>
+        <p:txBody>
+          <a:bodyPr/>
+          <a:lstStyle/>
+          <a:p>
+            <a:endParaRPr lang="en-US" dirty="0"/>
+          </a:p>
+        </p:txBody>
+      </p:sp>
+      <p:sp>
+        <p:nvSpPr>
+          <p:cNvPr id="3" name="Content Placeholder 2">
+            <a:extLst>
+              <a:ext uri="{FF2B5EF4-FFF2-40B4-BE49-F238E27FC236}">
+                <a16:creationId xmlns:a16="http://schemas.microsoft.com/office/drawing/2014/main" id="{D936B8CF-FBFC-1D53-AA98-6ADA89DFC142}"/>
+              </a:ext>
+            </a:extLst>
+          </p:cNvPr>
+          <p:cNvSpPr>
+            <a:spLocks noGrp="1"/>
+          </p:cNvSpPr>
+          <p:nvPr>
+            <p:ph idx="1"/>
+          </p:nvPr>
+        </p:nvSpPr>
+        <p:spPr/>
+        <p:txBody>
+          <a:bodyPr/>
+          <a:lstStyle/>
+          <a:p>
+            <a:endParaRPr lang="en-US"/>
+          </a:p>
+        </p:txBody>
+      </p:sp>
+    </p:spTree>
+    <p:extLst>
+      <p:ext uri="{BB962C8B-B14F-4D97-AF65-F5344CB8AC3E}">
+        <p14:creationId xmlns:p14="http://schemas.microsoft.com/office/powerpoint/2010/main" val="3869136397"/>
+      </p:ext>
+    </p:extLst>
+  </p:cSld>
+  <p:clrMapOvr>
+    <a:masterClrMapping/>
+  </p:clrMapOvr>
+</p:sld>
+</file>
+
 <file path=ppt/slides/slide2.xml><?xml version="1.0" encoding="utf-8"?>
 <p:sld xmlns:a="http://schemas.openxmlformats.org/drawingml/2006/main" xmlns:r="http://schemas.openxmlformats.org/officeDocument/2006/relationships" xmlns:p="http://schemas.openxmlformats.org/presentationml/2006/main">
   <p:cSld>
@@ -4594,10 +4921,10 @@
       </p:pic>
       <p:sp>
         <p:nvSpPr>
-          <p:cNvPr id="10" name="TextBox 9">
-            <a:extLst>
-              <a:ext uri="{FF2B5EF4-FFF2-40B4-BE49-F238E27FC236}">
-                <a16:creationId xmlns:a16="http://schemas.microsoft.com/office/drawing/2014/main" id="{F1DB4B65-83E9-AE26-94D5-BC8F8520A77D}"/>
+          <p:cNvPr id="13" name="TextBox 12">
+            <a:extLst>
+              <a:ext uri="{FF2B5EF4-FFF2-40B4-BE49-F238E27FC236}">
+                <a16:creationId xmlns:a16="http://schemas.microsoft.com/office/drawing/2014/main" id="{C2802F38-0112-A1E4-9CDB-8BF364525699}"/>
               </a:ext>
             </a:extLst>
           </p:cNvPr>
@@ -4606,8 +4933,8 @@
         </p:nvSpPr>
         <p:spPr>
           <a:xfrm>
-            <a:off x="10644432" y="4845383"/>
-            <a:ext cx="654014" cy="769441"/>
+            <a:off x="10121882" y="5129755"/>
+            <a:ext cx="1331710" cy="1200329"/>
           </a:xfrm>
           <a:prstGeom prst="rect">
             <a:avLst/>
@@ -4621,288 +4948,8 @@
           <a:lstStyle/>
           <a:p>
             <a:r>
-              <a:rPr lang="en-US" sz="4400" dirty="0"/>
-              <a:t>🫣</a:t>
-            </a:r>
-          </a:p>
-        </p:txBody>
-      </p:sp>
-      <p:sp>
-        <p:nvSpPr>
-          <p:cNvPr id="11" name="TextBox 10">
-            <a:extLst>
-              <a:ext uri="{FF2B5EF4-FFF2-40B4-BE49-F238E27FC236}">
-                <a16:creationId xmlns:a16="http://schemas.microsoft.com/office/drawing/2014/main" id="{023F346C-B9CA-3110-8C79-D4678193B473}"/>
-              </a:ext>
-            </a:extLst>
-          </p:cNvPr>
-          <p:cNvSpPr txBox="1"/>
-          <p:nvPr/>
-        </p:nvSpPr>
-        <p:spPr>
-          <a:xfrm>
-            <a:off x="5577045" y="2554366"/>
-            <a:ext cx="800874" cy="646331"/>
-          </a:xfrm>
-          <a:prstGeom prst="rect">
-            <a:avLst/>
-          </a:prstGeom>
-          <a:noFill/>
-        </p:spPr>
-        <p:txBody>
-          <a:bodyPr wrap="square" rtlCol="0">
-            <a:spAutoFit/>
-          </a:bodyPr>
-          <a:lstStyle/>
-          <a:p>
-            <a:r>
-              <a:rPr lang="en-US" sz="3600" dirty="0"/>
-              <a:t>😱</a:t>
-            </a:r>
-          </a:p>
-        </p:txBody>
-      </p:sp>
-      <p:sp>
-        <p:nvSpPr>
-          <p:cNvPr id="13" name="TextBox 12">
-            <a:extLst>
-              <a:ext uri="{FF2B5EF4-FFF2-40B4-BE49-F238E27FC236}">
-                <a16:creationId xmlns:a16="http://schemas.microsoft.com/office/drawing/2014/main" id="{C2802F38-0112-A1E4-9CDB-8BF364525699}"/>
-              </a:ext>
-            </a:extLst>
-          </p:cNvPr>
-          <p:cNvSpPr txBox="1"/>
-          <p:nvPr/>
-        </p:nvSpPr>
-        <p:spPr>
-          <a:xfrm>
-            <a:off x="8038558" y="5614824"/>
-            <a:ext cx="1177774" cy="1015663"/>
-          </a:xfrm>
-          <a:prstGeom prst="rect">
-            <a:avLst/>
-          </a:prstGeom>
-          <a:noFill/>
-        </p:spPr>
-        <p:txBody>
-          <a:bodyPr wrap="square" rtlCol="0">
-            <a:spAutoFit/>
-          </a:bodyPr>
-          <a:lstStyle/>
-          <a:p>
-            <a:r>
-              <a:rPr lang="en-US" sz="6000" dirty="0"/>
+              <a:rPr lang="en-US" sz="7200" dirty="0"/>
               <a:t>😮</a:t>
-            </a:r>
-          </a:p>
-        </p:txBody>
-      </p:sp>
-      <p:sp>
-        <p:nvSpPr>
-          <p:cNvPr id="14" name="TextBox 13">
-            <a:extLst>
-              <a:ext uri="{FF2B5EF4-FFF2-40B4-BE49-F238E27FC236}">
-                <a16:creationId xmlns:a16="http://schemas.microsoft.com/office/drawing/2014/main" id="{BF0C2B87-E7AF-D8EA-5151-CFC9F772BFBC}"/>
-              </a:ext>
-            </a:extLst>
-          </p:cNvPr>
-          <p:cNvSpPr txBox="1"/>
-          <p:nvPr/>
-        </p:nvSpPr>
-        <p:spPr>
-          <a:xfrm>
-            <a:off x="9316560" y="2195089"/>
-            <a:ext cx="923544" cy="769441"/>
-          </a:xfrm>
-          <a:prstGeom prst="rect">
-            <a:avLst/>
-          </a:prstGeom>
-          <a:noFill/>
-        </p:spPr>
-        <p:txBody>
-          <a:bodyPr wrap="square" rtlCol="0">
-            <a:spAutoFit/>
-          </a:bodyPr>
-          <a:lstStyle/>
-          <a:p>
-            <a:r>
-              <a:rPr lang="en-US" sz="4400" dirty="0"/>
-              <a:t>😫</a:t>
-            </a:r>
-          </a:p>
-        </p:txBody>
-      </p:sp>
-      <p:sp>
-        <p:nvSpPr>
-          <p:cNvPr id="15" name="TextBox 14">
-            <a:extLst>
-              <a:ext uri="{FF2B5EF4-FFF2-40B4-BE49-F238E27FC236}">
-                <a16:creationId xmlns:a16="http://schemas.microsoft.com/office/drawing/2014/main" id="{B2DDBDBB-3F19-E9B7-608D-E88AC274406E}"/>
-              </a:ext>
-            </a:extLst>
-          </p:cNvPr>
-          <p:cNvSpPr txBox="1"/>
-          <p:nvPr/>
-        </p:nvSpPr>
-        <p:spPr>
-          <a:xfrm>
-            <a:off x="10188644" y="5801973"/>
-            <a:ext cx="627914" cy="400110"/>
-          </a:xfrm>
-          <a:prstGeom prst="rect">
-            <a:avLst/>
-          </a:prstGeom>
-          <a:noFill/>
-        </p:spPr>
-        <p:txBody>
-          <a:bodyPr wrap="square" rtlCol="0">
-            <a:spAutoFit/>
-          </a:bodyPr>
-          <a:lstStyle/>
-          <a:p>
-            <a:r>
-              <a:rPr lang="en-US" sz="2000" dirty="0"/>
-              <a:t>😓</a:t>
-            </a:r>
-          </a:p>
-        </p:txBody>
-      </p:sp>
-      <p:sp>
-        <p:nvSpPr>
-          <p:cNvPr id="16" name="TextBox 15">
-            <a:extLst>
-              <a:ext uri="{FF2B5EF4-FFF2-40B4-BE49-F238E27FC236}">
-                <a16:creationId xmlns:a16="http://schemas.microsoft.com/office/drawing/2014/main" id="{6076E549-F7F6-D41B-3340-EA1242623348}"/>
-              </a:ext>
-            </a:extLst>
-          </p:cNvPr>
-          <p:cNvSpPr txBox="1"/>
-          <p:nvPr/>
-        </p:nvSpPr>
-        <p:spPr>
-          <a:xfrm>
-            <a:off x="11439156" y="2844225"/>
-            <a:ext cx="700278" cy="461665"/>
-          </a:xfrm>
-          <a:prstGeom prst="rect">
-            <a:avLst/>
-          </a:prstGeom>
-          <a:noFill/>
-        </p:spPr>
-        <p:txBody>
-          <a:bodyPr wrap="square" rtlCol="0">
-            <a:spAutoFit/>
-          </a:bodyPr>
-          <a:lstStyle/>
-          <a:p>
-            <a:r>
-              <a:rPr lang="en-US" sz="2400" dirty="0"/>
-              <a:t>😖</a:t>
-            </a:r>
-          </a:p>
-        </p:txBody>
-      </p:sp>
-      <p:sp>
-        <p:nvSpPr>
-          <p:cNvPr id="17" name="TextBox 16">
-            <a:extLst>
-              <a:ext uri="{FF2B5EF4-FFF2-40B4-BE49-F238E27FC236}">
-                <a16:creationId xmlns:a16="http://schemas.microsoft.com/office/drawing/2014/main" id="{BAF0D772-D4B0-C7B1-3F9C-068F0698CE1F}"/>
-              </a:ext>
-            </a:extLst>
-          </p:cNvPr>
-          <p:cNvSpPr txBox="1"/>
-          <p:nvPr/>
-        </p:nvSpPr>
-        <p:spPr>
-          <a:xfrm>
-            <a:off x="11125199" y="6020754"/>
-            <a:ext cx="627914" cy="769441"/>
-          </a:xfrm>
-          <a:prstGeom prst="rect">
-            <a:avLst/>
-          </a:prstGeom>
-          <a:noFill/>
-        </p:spPr>
-        <p:txBody>
-          <a:bodyPr wrap="square" rtlCol="0">
-            <a:spAutoFit/>
-          </a:bodyPr>
-          <a:lstStyle/>
-          <a:p>
-            <a:r>
-              <a:rPr lang="en-US" sz="4400" dirty="0"/>
-              <a:t>😰</a:t>
-            </a:r>
-          </a:p>
-        </p:txBody>
-      </p:sp>
-      <p:sp>
-        <p:nvSpPr>
-          <p:cNvPr id="18" name="TextBox 17">
-            <a:extLst>
-              <a:ext uri="{FF2B5EF4-FFF2-40B4-BE49-F238E27FC236}">
-                <a16:creationId xmlns:a16="http://schemas.microsoft.com/office/drawing/2014/main" id="{3D126A40-A593-5327-7C29-337ACCFDD777}"/>
-              </a:ext>
-            </a:extLst>
-          </p:cNvPr>
-          <p:cNvSpPr txBox="1"/>
-          <p:nvPr/>
-        </p:nvSpPr>
-        <p:spPr>
-          <a:xfrm>
-            <a:off x="5285632" y="4641295"/>
-            <a:ext cx="1029449" cy="830997"/>
-          </a:xfrm>
-          <a:prstGeom prst="rect">
-            <a:avLst/>
-          </a:prstGeom>
-          <a:noFill/>
-        </p:spPr>
-        <p:txBody>
-          <a:bodyPr wrap="none" rtlCol="0">
-            <a:spAutoFit/>
-          </a:bodyPr>
-          <a:lstStyle/>
-          <a:p>
-            <a:r>
-              <a:rPr lang="en-US" sz="4800" dirty="0"/>
-              <a:t>🤯</a:t>
-            </a:r>
-          </a:p>
-        </p:txBody>
-      </p:sp>
-      <p:sp>
-        <p:nvSpPr>
-          <p:cNvPr id="19" name="TextBox 18">
-            <a:extLst>
-              <a:ext uri="{FF2B5EF4-FFF2-40B4-BE49-F238E27FC236}">
-                <a16:creationId xmlns:a16="http://schemas.microsoft.com/office/drawing/2014/main" id="{EA5B0EC1-19EA-CB0B-051D-7115EAAA8F50}"/>
-              </a:ext>
-            </a:extLst>
-          </p:cNvPr>
-          <p:cNvSpPr txBox="1"/>
-          <p:nvPr/>
-        </p:nvSpPr>
-        <p:spPr>
-          <a:xfrm>
-            <a:off x="9132957" y="5502206"/>
-            <a:ext cx="801237" cy="523220"/>
-          </a:xfrm>
-          <a:prstGeom prst="rect">
-            <a:avLst/>
-          </a:prstGeom>
-          <a:noFill/>
-        </p:spPr>
-        <p:txBody>
-          <a:bodyPr wrap="square" rtlCol="0">
-            <a:spAutoFit/>
-          </a:bodyPr>
-          <a:lstStyle/>
-          <a:p>
-            <a:r>
-              <a:rPr lang="en-US" sz="2800" dirty="0"/>
-              <a:t>🥴</a:t>
             </a:r>
           </a:p>
         </p:txBody>
@@ -4942,7 +4989,7 @@
           <p:cNvPr id="2" name="Title 1">
             <a:extLst>
               <a:ext uri="{FF2B5EF4-FFF2-40B4-BE49-F238E27FC236}">
-                <a16:creationId xmlns:a16="http://schemas.microsoft.com/office/drawing/2014/main" id="{D92AF35C-A3A2-2489-80E2-43131D2668CF}"/>
+                <a16:creationId xmlns:a16="http://schemas.microsoft.com/office/drawing/2014/main" id="{1A0B2580-84F3-3323-44AD-84C812510DED}"/>
               </a:ext>
             </a:extLst>
           </p:cNvPr>
@@ -4960,25 +5007,37 @@
           <a:p>
             <a:r>
               <a:rPr lang="en-US" dirty="0"/>
-              <a:t>Workflow visualization</a:t>
-            </a:r>
-          </a:p>
-        </p:txBody>
-      </p:sp>
-      <p:sp>
-        <p:nvSpPr>
-          <p:cNvPr id="3" name="Content Placeholder 2">
-            <a:extLst>
-              <a:ext uri="{FF2B5EF4-FFF2-40B4-BE49-F238E27FC236}">
-                <a16:creationId xmlns:a16="http://schemas.microsoft.com/office/drawing/2014/main" id="{09C5F263-CC8A-23B8-75F7-2CB39F2710E1}"/>
-              </a:ext>
-            </a:extLst>
-          </p:cNvPr>
-          <p:cNvSpPr>
-            <a:spLocks noGrp="1"/>
-          </p:cNvSpPr>
-          <p:nvPr>
-            <p:ph idx="1"/>
+              <a:t>Setting up a </a:t>
+            </a:r>
+            <a:r>
+              <a:rPr lang="en-US" i="1" dirty="0">
+                <a:solidFill>
+                  <a:srgbClr val="FF0000"/>
+                </a:solidFill>
+              </a:rPr>
+              <a:t>t a r g e t s </a:t>
+            </a:r>
+            <a:r>
+              <a:rPr lang="en-US" dirty="0"/>
+              <a:t>project </a:t>
+            </a:r>
+          </a:p>
+        </p:txBody>
+      </p:sp>
+      <p:sp>
+        <p:nvSpPr>
+          <p:cNvPr id="3" name="Text Placeholder 2">
+            <a:extLst>
+              <a:ext uri="{FF2B5EF4-FFF2-40B4-BE49-F238E27FC236}">
+                <a16:creationId xmlns:a16="http://schemas.microsoft.com/office/drawing/2014/main" id="{5647D169-D0C4-AC9E-0DB5-A18BDF1FC88C}"/>
+              </a:ext>
+            </a:extLst>
+          </p:cNvPr>
+          <p:cNvSpPr>
+            <a:spLocks noGrp="1"/>
+          </p:cNvSpPr>
+          <p:nvPr>
+            <p:ph type="body" idx="1"/>
           </p:nvPr>
         </p:nvSpPr>
         <p:spPr/>
@@ -4986,14 +5045,14 @@
           <a:bodyPr/>
           <a:lstStyle/>
           <a:p>
-            <a:endParaRPr lang="en-US" dirty="0"/>
+            <a:endParaRPr lang="en-US"/>
           </a:p>
         </p:txBody>
       </p:sp>
     </p:spTree>
     <p:extLst>
       <p:ext uri="{BB962C8B-B14F-4D97-AF65-F5344CB8AC3E}">
-        <p14:creationId xmlns:p14="http://schemas.microsoft.com/office/powerpoint/2010/main" val="996335623"/>
+        <p14:creationId xmlns:p14="http://schemas.microsoft.com/office/powerpoint/2010/main" val="1045670309"/>
       </p:ext>
     </p:extLst>
   </p:cSld>
@@ -5004,159 +5063,6 @@
 </file>
 
 <file path=ppt/slides/slide8.xml><?xml version="1.0" encoding="utf-8"?>
-<p:sld xmlns:a="http://schemas.openxmlformats.org/drawingml/2006/main" xmlns:r="http://schemas.openxmlformats.org/officeDocument/2006/relationships" xmlns:p="http://schemas.openxmlformats.org/presentationml/2006/main">
-  <p:cSld>
-    <p:spTree>
-      <p:nvGrpSpPr>
-        <p:cNvPr id="1" name="">
-          <a:extLst>
-            <a:ext uri="{FF2B5EF4-FFF2-40B4-BE49-F238E27FC236}">
-              <a16:creationId xmlns:a16="http://schemas.microsoft.com/office/drawing/2014/main" id="{B2469894-F4B4-CB70-736C-2CCA02E58783}"/>
-            </a:ext>
-          </a:extLst>
-        </p:cNvPr>
-        <p:cNvGrpSpPr/>
-        <p:nvPr/>
-      </p:nvGrpSpPr>
-      <p:grpSpPr>
-        <a:xfrm>
-          <a:off x="0" y="0"/>
-          <a:ext cx="0" cy="0"/>
-          <a:chOff x="0" y="0"/>
-          <a:chExt cx="0" cy="0"/>
-        </a:xfrm>
-      </p:grpSpPr>
-      <p:sp>
-        <p:nvSpPr>
-          <p:cNvPr id="2" name="Title 1">
-            <a:extLst>
-              <a:ext uri="{FF2B5EF4-FFF2-40B4-BE49-F238E27FC236}">
-                <a16:creationId xmlns:a16="http://schemas.microsoft.com/office/drawing/2014/main" id="{7BC88C81-0084-8B28-3415-257DF0AEF2A9}"/>
-              </a:ext>
-            </a:extLst>
-          </p:cNvPr>
-          <p:cNvSpPr>
-            <a:spLocks noGrp="1"/>
-          </p:cNvSpPr>
-          <p:nvPr>
-            <p:ph type="title"/>
-          </p:nvPr>
-        </p:nvSpPr>
-        <p:spPr/>
-        <p:txBody>
-          <a:bodyPr/>
-          <a:lstStyle/>
-          <a:p>
-            <a:r>
-              <a:rPr lang="en-US" dirty="0"/>
-              <a:t>TODO</a:t>
-            </a:r>
-          </a:p>
-        </p:txBody>
-      </p:sp>
-      <p:sp>
-        <p:nvSpPr>
-          <p:cNvPr id="3" name="Content Placeholder 2">
-            <a:extLst>
-              <a:ext uri="{FF2B5EF4-FFF2-40B4-BE49-F238E27FC236}">
-                <a16:creationId xmlns:a16="http://schemas.microsoft.com/office/drawing/2014/main" id="{D7F92C42-21C3-DB69-DD65-37A8E7D3188C}"/>
-              </a:ext>
-            </a:extLst>
-          </p:cNvPr>
-          <p:cNvSpPr>
-            <a:spLocks noGrp="1"/>
-          </p:cNvSpPr>
-          <p:nvPr>
-            <p:ph idx="1"/>
-          </p:nvPr>
-        </p:nvSpPr>
-        <p:spPr/>
-        <p:txBody>
-          <a:bodyPr/>
-          <a:lstStyle/>
-          <a:p>
-            <a:r>
-              <a:rPr lang="en-US" dirty="0"/>
-              <a:t>Visualization of pipeline</a:t>
-            </a:r>
-          </a:p>
-          <a:p>
-            <a:r>
-              <a:rPr lang="en-US" dirty="0"/>
-              <a:t>Create project from scratch</a:t>
-            </a:r>
-          </a:p>
-          <a:p>
-            <a:pPr lvl="1"/>
-            <a:r>
-              <a:rPr lang="en-US" dirty="0"/>
-              <a:t>If using </a:t>
-            </a:r>
-            <a:r>
-              <a:rPr lang="en-US" dirty="0" err="1"/>
-              <a:t>github</a:t>
-            </a:r>
-            <a:r>
-              <a:rPr lang="en-US" dirty="0"/>
-              <a:t> use </a:t>
-            </a:r>
-            <a:r>
-              <a:rPr lang="en-US" dirty="0" err="1"/>
-              <a:t>gitignore</a:t>
-            </a:r>
-            <a:endParaRPr lang="en-US" dirty="0"/>
-          </a:p>
-          <a:p>
-            <a:r>
-              <a:rPr lang="en-US" dirty="0"/>
-              <a:t>“</a:t>
-            </a:r>
-            <a:r>
-              <a:rPr lang="en-US" dirty="0" err="1"/>
-              <a:t>targetize</a:t>
-            </a:r>
-            <a:r>
-              <a:rPr lang="en-US" dirty="0"/>
-              <a:t>” existing project</a:t>
-            </a:r>
-          </a:p>
-          <a:p>
-            <a:r>
-              <a:rPr lang="en-US" dirty="0"/>
-              <a:t>Debugging with targets</a:t>
-            </a:r>
-          </a:p>
-          <a:p>
-            <a:r>
-              <a:rPr lang="en-US" dirty="0"/>
-              <a:t>Targets with uga sapelo2 cluster</a:t>
-            </a:r>
-          </a:p>
-          <a:p>
-            <a:r>
-              <a:rPr lang="en-US" dirty="0"/>
-              <a:t>Parallel processing in targets</a:t>
-            </a:r>
-          </a:p>
-          <a:p>
-            <a:endParaRPr lang="en-US" dirty="0"/>
-          </a:p>
-        </p:txBody>
-      </p:sp>
-    </p:spTree>
-    <p:extLst>
-      <p:ext uri="{BB962C8B-B14F-4D97-AF65-F5344CB8AC3E}">
-        <p14:creationId xmlns:p14="http://schemas.microsoft.com/office/powerpoint/2010/main" val="3742217456"/>
-      </p:ext>
-    </p:extLst>
-  </p:cSld>
-  <p:clrMapOvr>
-    <a:masterClrMapping/>
-  </p:clrMapOvr>
-</p:sld>
-</file>
-
-<file path=ppt/slides/slide9.xml><?xml version="1.0" encoding="utf-8"?>
 <p:sld xmlns:a="http://schemas.openxmlformats.org/drawingml/2006/main" xmlns:r="http://schemas.openxmlformats.org/officeDocument/2006/relationships" xmlns:p="http://schemas.openxmlformats.org/presentationml/2006/main">
   <p:cSld>
     <p:spTree>
@@ -5178,7 +5084,7 @@
           <p:cNvPr id="2" name="Title 1">
             <a:extLst>
               <a:ext uri="{FF2B5EF4-FFF2-40B4-BE49-F238E27FC236}">
-                <a16:creationId xmlns:a16="http://schemas.microsoft.com/office/drawing/2014/main" id="{B76B7C62-B549-3491-55E1-D0862D072C7E}"/>
+                <a16:creationId xmlns:a16="http://schemas.microsoft.com/office/drawing/2014/main" id="{D92AF35C-A3A2-2489-80E2-43131D2668CF}"/>
               </a:ext>
             </a:extLst>
           </p:cNvPr>
@@ -5194,7 +5100,10 @@
           <a:bodyPr/>
           <a:lstStyle/>
           <a:p>
-            <a:endParaRPr lang="en-US" dirty="0"/>
+            <a:r>
+              <a:rPr lang="en-US" dirty="0"/>
+              <a:t>Set up</a:t>
+            </a:r>
           </a:p>
         </p:txBody>
       </p:sp>
@@ -5203,7 +5112,7 @@
           <p:cNvPr id="3" name="Content Placeholder 2">
             <a:extLst>
               <a:ext uri="{FF2B5EF4-FFF2-40B4-BE49-F238E27FC236}">
-                <a16:creationId xmlns:a16="http://schemas.microsoft.com/office/drawing/2014/main" id="{D936B8CF-FBFC-1D53-AA98-6ADA89DFC142}"/>
+                <a16:creationId xmlns:a16="http://schemas.microsoft.com/office/drawing/2014/main" id="{09C5F263-CC8A-23B8-75F7-2CB39F2710E1}"/>
               </a:ext>
             </a:extLst>
           </p:cNvPr>
@@ -5219,14 +5128,288 @@
           <a:bodyPr/>
           <a:lstStyle/>
           <a:p>
-            <a:endParaRPr lang="en-US"/>
-          </a:p>
-        </p:txBody>
-      </p:sp>
+            <a:pPr marL="514350" indent="-514350">
+              <a:buFont typeface="+mj-lt"/>
+              <a:buAutoNum type="arabicPeriod"/>
+            </a:pPr>
+            <a:r>
+              <a:rPr lang="en-US" dirty="0"/>
+              <a:t>Create an R project</a:t>
+            </a:r>
+          </a:p>
+          <a:p>
+            <a:pPr marL="514350" indent="-514350">
+              <a:buFont typeface="+mj-lt"/>
+              <a:buAutoNum type="arabicPeriod"/>
+            </a:pPr>
+            <a:r>
+              <a:rPr lang="en-US" dirty="0"/>
+              <a:t>Install and load the targets package</a:t>
+            </a:r>
+          </a:p>
+          <a:p>
+            <a:pPr marL="514350" indent="-514350">
+              <a:buFont typeface="+mj-lt"/>
+              <a:buAutoNum type="arabicPeriod"/>
+            </a:pPr>
+            <a:r>
+              <a:rPr lang="en-US" dirty="0"/>
+              <a:t>Run “</a:t>
+            </a:r>
+            <a:r>
+              <a:rPr lang="en-US" dirty="0" err="1"/>
+              <a:t>use_targets</a:t>
+            </a:r>
+            <a:r>
+              <a:rPr lang="en-US" dirty="0"/>
+              <a:t>()” to create a “_</a:t>
+            </a:r>
+            <a:r>
+              <a:rPr lang="en-US" dirty="0" err="1"/>
+              <a:t>targets.R</a:t>
+            </a:r>
+            <a:r>
+              <a:rPr lang="en-US" dirty="0"/>
+              <a:t>” file</a:t>
+            </a:r>
+          </a:p>
+          <a:p>
+            <a:pPr marL="514350" indent="-514350">
+              <a:buFont typeface="+mj-lt"/>
+              <a:buAutoNum type="arabicPeriod"/>
+            </a:pPr>
+            <a:r>
+              <a:rPr lang="en-US" dirty="0"/>
+              <a:t>Create a folder called “R” where you will store custom functions</a:t>
+            </a:r>
+          </a:p>
+        </p:txBody>
+      </p:sp>
+      <p:pic>
+        <p:nvPicPr>
+          <p:cNvPr id="7" name="Picture 6">
+            <a:extLst>
+              <a:ext uri="{FF2B5EF4-FFF2-40B4-BE49-F238E27FC236}">
+                <a16:creationId xmlns:a16="http://schemas.microsoft.com/office/drawing/2014/main" id="{C0B7B100-91B6-CF17-3DAF-AB4FF5C3C4D7}"/>
+              </a:ext>
+            </a:extLst>
+          </p:cNvPr>
+          <p:cNvPicPr>
+            <a:picLocks noChangeAspect="1"/>
+          </p:cNvPicPr>
+          <p:nvPr/>
+        </p:nvPicPr>
+        <p:blipFill>
+          <a:blip r:embed="rId2"/>
+          <a:stretch>
+            <a:fillRect/>
+          </a:stretch>
+        </p:blipFill>
+        <p:spPr>
+          <a:xfrm>
+            <a:off x="838200" y="4206240"/>
+            <a:ext cx="4464746" cy="1970723"/>
+          </a:xfrm>
+          <a:prstGeom prst="rect">
+            <a:avLst/>
+          </a:prstGeom>
+        </p:spPr>
+      </p:pic>
     </p:spTree>
     <p:extLst>
       <p:ext uri="{BB962C8B-B14F-4D97-AF65-F5344CB8AC3E}">
-        <p14:creationId xmlns:p14="http://schemas.microsoft.com/office/powerpoint/2010/main" val="3869136397"/>
+        <p14:creationId xmlns:p14="http://schemas.microsoft.com/office/powerpoint/2010/main" val="996335623"/>
+      </p:ext>
+    </p:extLst>
+  </p:cSld>
+  <p:clrMapOvr>
+    <a:masterClrMapping/>
+  </p:clrMapOvr>
+</p:sld>
+</file>
+
+<file path=ppt/slides/slide9.xml><?xml version="1.0" encoding="utf-8"?>
+<p:sld xmlns:a="http://schemas.openxmlformats.org/drawingml/2006/main" xmlns:r="http://schemas.openxmlformats.org/officeDocument/2006/relationships" xmlns:p="http://schemas.openxmlformats.org/presentationml/2006/main">
+  <p:cSld>
+    <p:spTree>
+      <p:nvGrpSpPr>
+        <p:cNvPr id="1" name="">
+          <a:extLst>
+            <a:ext uri="{FF2B5EF4-FFF2-40B4-BE49-F238E27FC236}">
+              <a16:creationId xmlns:a16="http://schemas.microsoft.com/office/drawing/2014/main" id="{50CC86FE-916E-9B68-990E-132A5D81A990}"/>
+            </a:ext>
+          </a:extLst>
+        </p:cNvPr>
+        <p:cNvGrpSpPr/>
+        <p:nvPr/>
+      </p:nvGrpSpPr>
+      <p:grpSpPr>
+        <a:xfrm>
+          <a:off x="0" y="0"/>
+          <a:ext cx="0" cy="0"/>
+          <a:chOff x="0" y="0"/>
+          <a:chExt cx="0" cy="0"/>
+        </a:xfrm>
+      </p:grpSpPr>
+      <p:pic>
+        <p:nvPicPr>
+          <p:cNvPr id="8" name="Picture 7">
+            <a:extLst>
+              <a:ext uri="{FF2B5EF4-FFF2-40B4-BE49-F238E27FC236}">
+                <a16:creationId xmlns:a16="http://schemas.microsoft.com/office/drawing/2014/main" id="{4023286D-78A2-757C-6BF2-40F72852053C}"/>
+              </a:ext>
+            </a:extLst>
+          </p:cNvPr>
+          <p:cNvPicPr>
+            <a:picLocks noChangeAspect="1"/>
+          </p:cNvPicPr>
+          <p:nvPr/>
+        </p:nvPicPr>
+        <p:blipFill>
+          <a:blip r:embed="rId2"/>
+          <a:stretch>
+            <a:fillRect/>
+          </a:stretch>
+        </p:blipFill>
+        <p:spPr>
+          <a:xfrm>
+            <a:off x="8081062" y="76968"/>
+            <a:ext cx="3827536" cy="4220852"/>
+          </a:xfrm>
+          <a:prstGeom prst="rect">
+            <a:avLst/>
+          </a:prstGeom>
+        </p:spPr>
+      </p:pic>
+      <p:pic>
+        <p:nvPicPr>
+          <p:cNvPr id="10" name="Picture 9">
+            <a:extLst>
+              <a:ext uri="{FF2B5EF4-FFF2-40B4-BE49-F238E27FC236}">
+                <a16:creationId xmlns:a16="http://schemas.microsoft.com/office/drawing/2014/main" id="{159D055A-081A-C2A0-5D74-AECF61608FBD}"/>
+              </a:ext>
+            </a:extLst>
+          </p:cNvPr>
+          <p:cNvPicPr>
+            <a:picLocks noChangeAspect="1"/>
+          </p:cNvPicPr>
+          <p:nvPr/>
+        </p:nvPicPr>
+        <p:blipFill>
+          <a:blip r:embed="rId3"/>
+          <a:stretch>
+            <a:fillRect/>
+          </a:stretch>
+        </p:blipFill>
+        <p:spPr>
+          <a:xfrm>
+            <a:off x="6220870" y="4387399"/>
+            <a:ext cx="5971130" cy="2470601"/>
+          </a:xfrm>
+          <a:prstGeom prst="rect">
+            <a:avLst/>
+          </a:prstGeom>
+        </p:spPr>
+      </p:pic>
+      <p:sp>
+        <p:nvSpPr>
+          <p:cNvPr id="13" name="Title 1">
+            <a:extLst>
+              <a:ext uri="{FF2B5EF4-FFF2-40B4-BE49-F238E27FC236}">
+                <a16:creationId xmlns:a16="http://schemas.microsoft.com/office/drawing/2014/main" id="{EB8629DF-8512-E69B-952C-4BE5FE2075CB}"/>
+              </a:ext>
+            </a:extLst>
+          </p:cNvPr>
+          <p:cNvSpPr>
+            <a:spLocks noGrp="1"/>
+          </p:cNvSpPr>
+          <p:nvPr>
+            <p:ph type="title"/>
+          </p:nvPr>
+        </p:nvSpPr>
+        <p:spPr>
+          <a:xfrm>
+            <a:off x="838200" y="365125"/>
+            <a:ext cx="10515600" cy="1325563"/>
+          </a:xfrm>
+        </p:spPr>
+        <p:txBody>
+          <a:bodyPr/>
+          <a:lstStyle/>
+          <a:p>
+            <a:r>
+              <a:rPr lang="en-US" dirty="0"/>
+              <a:t>_</a:t>
+            </a:r>
+            <a:r>
+              <a:rPr lang="en-US" dirty="0" err="1"/>
+              <a:t>targets.R</a:t>
+            </a:r>
+            <a:endParaRPr lang="en-US" dirty="0"/>
+          </a:p>
+        </p:txBody>
+      </p:sp>
+      <p:sp>
+        <p:nvSpPr>
+          <p:cNvPr id="14" name="Content Placeholder 2">
+            <a:extLst>
+              <a:ext uri="{FF2B5EF4-FFF2-40B4-BE49-F238E27FC236}">
+                <a16:creationId xmlns:a16="http://schemas.microsoft.com/office/drawing/2014/main" id="{ECAE48E0-6F30-DE71-38F4-2473122B46E3}"/>
+              </a:ext>
+            </a:extLst>
+          </p:cNvPr>
+          <p:cNvSpPr>
+            <a:spLocks noGrp="1"/>
+          </p:cNvSpPr>
+          <p:nvPr>
+            <p:ph idx="1"/>
+          </p:nvPr>
+        </p:nvSpPr>
+        <p:spPr>
+          <a:xfrm>
+            <a:off x="838200" y="1825625"/>
+            <a:ext cx="5687728" cy="4351338"/>
+          </a:xfrm>
+        </p:spPr>
+        <p:txBody>
+          <a:bodyPr/>
+          <a:lstStyle/>
+          <a:p>
+            <a:r>
+              <a:rPr lang="en-US" dirty="0"/>
+              <a:t>The “master” file of your projects</a:t>
+            </a:r>
+          </a:p>
+          <a:p>
+            <a:r>
+              <a:rPr lang="en-US" dirty="0"/>
+              <a:t>Load packages</a:t>
+            </a:r>
+          </a:p>
+          <a:p>
+            <a:r>
+              <a:rPr lang="en-US" dirty="0"/>
+              <a:t>Set targets options</a:t>
+            </a:r>
+          </a:p>
+          <a:p>
+            <a:r>
+              <a:rPr lang="en-US" dirty="0"/>
+              <a:t>Load custom functions</a:t>
+            </a:r>
+          </a:p>
+          <a:p>
+            <a:r>
+              <a:rPr lang="en-US" dirty="0"/>
+              <a:t>Set up targets pipeline</a:t>
+            </a:r>
+          </a:p>
+        </p:txBody>
+      </p:sp>
+    </p:spTree>
+    <p:extLst>
+      <p:ext uri="{BB962C8B-B14F-4D97-AF65-F5344CB8AC3E}">
+        <p14:creationId xmlns:p14="http://schemas.microsoft.com/office/powerpoint/2010/main" val="2317586159"/>
       </p:ext>
     </p:extLst>
   </p:cSld>
